--- a/papers/coupled-simulations/eScience11/SAGA_PetaShare_UCoMS.pptx
+++ b/papers/coupled-simulations/eScience11/SAGA_PetaShare_UCoMS.pptx
@@ -1,13 +1,14 @@
 
 <file path=ppt/presentation.xml><?xml version="1.0" encoding="utf-8"?>
-<p:presentation xmlns:a="http://schemas.openxmlformats.org/drawingml/2006/main" xmlns:r="http://schemas.openxmlformats.org/officeDocument/2006/relationships" xmlns:p="http://schemas.openxmlformats.org/presentationml/2006/main" saveSubsetFonts="1" autoCompressPictures="0">
+<p:presentation xmlns:a="http://schemas.openxmlformats.org/drawingml/2006/main" xmlns:r="http://schemas.openxmlformats.org/officeDocument/2006/relationships" xmlns:mc="http://schemas.openxmlformats.org/markup-compatibility/2006" xmlns:mv="urn:schemas-microsoft-com:mac:vml" xmlns:p="http://schemas.openxmlformats.org/presentationml/2006/main" mc:Ignorable="mv" mc:PreserveAttributes="mv:*" saveSubsetFonts="1" autoCompressPictures="0">
   <p:sldMasterIdLst>
-    <p:sldMasterId id="2147483648" r:id="rId1"/>
+    <p:sldMasterId r:id="rId1"/>
   </p:sldMasterIdLst>
   <p:sldIdLst>
     <p:sldId id="259" r:id="rId2"/>
     <p:sldId id="262" r:id="rId3"/>
     <p:sldId id="261" r:id="rId4"/>
+    <p:sldId id="263" r:id="rId5"/>
   </p:sldIdLst>
   <p:sldSz cx="9144000" cy="6858000" type="screen4x3"/>
   <p:notesSz cx="6858000" cy="9144000"/>
@@ -110,7 +111,7 @@
 </file>
 
 <file path=ppt/slideLayouts/slideLayout1.xml><?xml version="1.0" encoding="utf-8"?>
-<p:sldLayout xmlns:a="http://schemas.openxmlformats.org/drawingml/2006/main" xmlns:r="http://schemas.openxmlformats.org/officeDocument/2006/relationships" xmlns:p="http://schemas.openxmlformats.org/presentationml/2006/main" type="title" preserve="1">
+<p:sldLayout xmlns:a="http://schemas.openxmlformats.org/drawingml/2006/main" xmlns:r="http://schemas.openxmlformats.org/officeDocument/2006/relationships" xmlns:mc="http://schemas.openxmlformats.org/markup-compatibility/2006" xmlns:mv="urn:schemas-microsoft-com:mac:vml" xmlns:p="http://schemas.openxmlformats.org/presentationml/2006/main" mc:Ignorable="mv" mc:PreserveAttributes="mv:*" type="title" preserve="1">
   <p:cSld name="Title Slide">
     <p:bg>
       <p:bgRef idx="1003">
@@ -343,7 +344,7 @@
             <a:fld id="{C49EF217-1A2C-F645-8901-538F19DC3288}" type="datetimeFigureOut">
               <a:rPr lang="en-US" smtClean="0"/>
               <a:pPr/>
-              <a:t>9/27/2011</a:t>
+              <a:t>9/28/11</a:t>
             </a:fld>
             <a:endParaRPr lang="en-US"/>
           </a:p>
@@ -433,7 +434,7 @@
 </file>
 
 <file path=ppt/slideLayouts/slideLayout10.xml><?xml version="1.0" encoding="utf-8"?>
-<p:sldLayout xmlns:a="http://schemas.openxmlformats.org/drawingml/2006/main" xmlns:r="http://schemas.openxmlformats.org/officeDocument/2006/relationships" xmlns:p="http://schemas.openxmlformats.org/presentationml/2006/main" preserve="1">
+<p:sldLayout xmlns:a="http://schemas.openxmlformats.org/drawingml/2006/main" xmlns:r="http://schemas.openxmlformats.org/officeDocument/2006/relationships" xmlns:mc="http://schemas.openxmlformats.org/markup-compatibility/2006" xmlns:mv="urn:schemas-microsoft-com:mac:vml" xmlns:p="http://schemas.openxmlformats.org/presentationml/2006/main" mc:Ignorable="mv" mc:PreserveAttributes="mv:*" preserve="1">
   <p:cSld name="3 Content">
     <p:spTree>
       <p:nvGrpSpPr>
@@ -490,7 +491,7 @@
             <a:fld id="{C49EF217-1A2C-F645-8901-538F19DC3288}" type="datetimeFigureOut">
               <a:rPr lang="en-US" smtClean="0"/>
               <a:pPr/>
-              <a:t>9/27/2011</a:t>
+              <a:t>9/28/11</a:t>
             </a:fld>
             <a:endParaRPr lang="en-US"/>
           </a:p>
@@ -803,7 +804,7 @@
 </file>
 
 <file path=ppt/slideLayouts/slideLayout11.xml><?xml version="1.0" encoding="utf-8"?>
-<p:sldLayout xmlns:a="http://schemas.openxmlformats.org/drawingml/2006/main" xmlns:r="http://schemas.openxmlformats.org/officeDocument/2006/relationships" xmlns:p="http://schemas.openxmlformats.org/presentationml/2006/main" preserve="1">
+<p:sldLayout xmlns:a="http://schemas.openxmlformats.org/drawingml/2006/main" xmlns:r="http://schemas.openxmlformats.org/officeDocument/2006/relationships" xmlns:mc="http://schemas.openxmlformats.org/markup-compatibility/2006" xmlns:mv="urn:schemas-microsoft-com:mac:vml" xmlns:p="http://schemas.openxmlformats.org/presentationml/2006/main" mc:Ignorable="mv" mc:PreserveAttributes="mv:*" preserve="1">
   <p:cSld name="4 Content">
     <p:spTree>
       <p:nvGrpSpPr>
@@ -945,7 +946,7 @@
             <a:fld id="{C49EF217-1A2C-F645-8901-538F19DC3288}" type="datetimeFigureOut">
               <a:rPr lang="en-US" smtClean="0"/>
               <a:pPr/>
-              <a:t>9/27/2011</a:t>
+              <a:t>9/28/11</a:t>
             </a:fld>
             <a:endParaRPr lang="en-US"/>
           </a:p>
@@ -1258,7 +1259,7 @@
 </file>
 
 <file path=ppt/slideLayouts/slideLayout12.xml><?xml version="1.0" encoding="utf-8"?>
-<p:sldLayout xmlns:a="http://schemas.openxmlformats.org/drawingml/2006/main" xmlns:r="http://schemas.openxmlformats.org/officeDocument/2006/relationships" xmlns:p="http://schemas.openxmlformats.org/presentationml/2006/main" type="titleOnly" preserve="1">
+<p:sldLayout xmlns:a="http://schemas.openxmlformats.org/drawingml/2006/main" xmlns:r="http://schemas.openxmlformats.org/officeDocument/2006/relationships" xmlns:mc="http://schemas.openxmlformats.org/markup-compatibility/2006" xmlns:mv="urn:schemas-microsoft-com:mac:vml" xmlns:p="http://schemas.openxmlformats.org/presentationml/2006/main" mc:Ignorable="mv" mc:PreserveAttributes="mv:*" type="titleOnly" preserve="1">
   <p:cSld name="Title Only">
     <p:spTree>
       <p:nvGrpSpPr>
@@ -1315,7 +1316,7 @@
             <a:fld id="{C49EF217-1A2C-F645-8901-538F19DC3288}" type="datetimeFigureOut">
               <a:rPr lang="en-US" smtClean="0"/>
               <a:pPr/>
-              <a:t>9/27/2011</a:t>
+              <a:t>9/28/11</a:t>
             </a:fld>
             <a:endParaRPr lang="en-US"/>
           </a:p>
@@ -1373,7 +1374,7 @@
 </file>
 
 <file path=ppt/slideLayouts/slideLayout13.xml><?xml version="1.0" encoding="utf-8"?>
-<p:sldLayout xmlns:a="http://schemas.openxmlformats.org/drawingml/2006/main" xmlns:r="http://schemas.openxmlformats.org/officeDocument/2006/relationships" xmlns:p="http://schemas.openxmlformats.org/presentationml/2006/main" type="blank" preserve="1">
+<p:sldLayout xmlns:a="http://schemas.openxmlformats.org/drawingml/2006/main" xmlns:r="http://schemas.openxmlformats.org/officeDocument/2006/relationships" xmlns:mc="http://schemas.openxmlformats.org/markup-compatibility/2006" xmlns:mv="urn:schemas-microsoft-com:mac:vml" xmlns:p="http://schemas.openxmlformats.org/presentationml/2006/main" mc:Ignorable="mv" mc:PreserveAttributes="mv:*" type="blank" preserve="1">
   <p:cSld name="Blank">
     <p:spTree>
       <p:nvGrpSpPr>
@@ -1407,7 +1408,7 @@
             <a:fld id="{C49EF217-1A2C-F645-8901-538F19DC3288}" type="datetimeFigureOut">
               <a:rPr lang="en-US" smtClean="0"/>
               <a:pPr/>
-              <a:t>9/27/2011</a:t>
+              <a:t>9/28/11</a:t>
             </a:fld>
             <a:endParaRPr lang="en-US"/>
           </a:p>
@@ -1465,7 +1466,7 @@
 </file>
 
 <file path=ppt/slideLayouts/slideLayout14.xml><?xml version="1.0" encoding="utf-8"?>
-<p:sldLayout xmlns:a="http://schemas.openxmlformats.org/drawingml/2006/main" xmlns:r="http://schemas.openxmlformats.org/officeDocument/2006/relationships" xmlns:p="http://schemas.openxmlformats.org/presentationml/2006/main" type="objTx" preserve="1">
+<p:sldLayout xmlns:a="http://schemas.openxmlformats.org/drawingml/2006/main" xmlns:r="http://schemas.openxmlformats.org/officeDocument/2006/relationships" xmlns:mc="http://schemas.openxmlformats.org/markup-compatibility/2006" xmlns:mv="urn:schemas-microsoft-com:mac:vml" xmlns:p="http://schemas.openxmlformats.org/presentationml/2006/main" mc:Ignorable="mv" mc:PreserveAttributes="mv:*" type="objTx" preserve="1">
   <p:cSld name="Content with Caption">
     <p:spTree>
       <p:nvGrpSpPr>
@@ -1684,7 +1685,7 @@
             <a:fld id="{C49EF217-1A2C-F645-8901-538F19DC3288}" type="datetimeFigureOut">
               <a:rPr lang="en-US" smtClean="0"/>
               <a:pPr/>
-              <a:t>9/27/2011</a:t>
+              <a:t>9/28/11</a:t>
             </a:fld>
             <a:endParaRPr lang="en-US"/>
           </a:p>
@@ -1742,7 +1743,7 @@
 </file>
 
 <file path=ppt/slideLayouts/slideLayout15.xml><?xml version="1.0" encoding="utf-8"?>
-<p:sldLayout xmlns:a="http://schemas.openxmlformats.org/drawingml/2006/main" xmlns:r="http://schemas.openxmlformats.org/officeDocument/2006/relationships" xmlns:p="http://schemas.openxmlformats.org/presentationml/2006/main" preserve="1">
+<p:sldLayout xmlns:a="http://schemas.openxmlformats.org/drawingml/2006/main" xmlns:r="http://schemas.openxmlformats.org/officeDocument/2006/relationships" xmlns:mc="http://schemas.openxmlformats.org/markup-compatibility/2006" xmlns:mv="urn:schemas-microsoft-com:mac:vml" xmlns:p="http://schemas.openxmlformats.org/presentationml/2006/main" mc:Ignorable="mv" mc:PreserveAttributes="mv:*" preserve="1">
   <p:cSld name="Picture with Caption">
     <p:spTree>
       <p:nvGrpSpPr>
@@ -1876,7 +1877,7 @@
             <a:fld id="{C49EF217-1A2C-F645-8901-538F19DC3288}" type="datetimeFigureOut">
               <a:rPr lang="en-US" smtClean="0"/>
               <a:pPr/>
-              <a:t>9/27/2011</a:t>
+              <a:t>9/28/11</a:t>
             </a:fld>
             <a:endParaRPr lang="en-US"/>
           </a:p>
@@ -2117,7 +2118,7 @@
 </file>
 
 <file path=ppt/slideLayouts/slideLayout16.xml><?xml version="1.0" encoding="utf-8"?>
-<p:sldLayout xmlns:a="http://schemas.openxmlformats.org/drawingml/2006/main" xmlns:r="http://schemas.openxmlformats.org/officeDocument/2006/relationships" xmlns:p="http://schemas.openxmlformats.org/presentationml/2006/main" preserve="1">
+<p:sldLayout xmlns:a="http://schemas.openxmlformats.org/drawingml/2006/main" xmlns:r="http://schemas.openxmlformats.org/officeDocument/2006/relationships" xmlns:mc="http://schemas.openxmlformats.org/markup-compatibility/2006" xmlns:mv="urn:schemas-microsoft-com:mac:vml" xmlns:p="http://schemas.openxmlformats.org/presentationml/2006/main" mc:Ignorable="mv" mc:PreserveAttributes="mv:*" preserve="1">
   <p:cSld name="2 Pictures with Caption">
     <p:spTree>
       <p:nvGrpSpPr>
@@ -2617,7 +2618,7 @@
             <a:fld id="{C49EF217-1A2C-F645-8901-538F19DC3288}" type="datetimeFigureOut">
               <a:rPr lang="en-US" smtClean="0"/>
               <a:pPr/>
-              <a:t>9/27/2011</a:t>
+              <a:t>9/28/11</a:t>
             </a:fld>
             <a:endParaRPr lang="en-US"/>
           </a:p>
@@ -2675,7 +2676,7 @@
 </file>
 
 <file path=ppt/slideLayouts/slideLayout17.xml><?xml version="1.0" encoding="utf-8"?>
-<p:sldLayout xmlns:a="http://schemas.openxmlformats.org/drawingml/2006/main" xmlns:r="http://schemas.openxmlformats.org/officeDocument/2006/relationships" xmlns:p="http://schemas.openxmlformats.org/presentationml/2006/main" preserve="1">
+<p:sldLayout xmlns:a="http://schemas.openxmlformats.org/drawingml/2006/main" xmlns:r="http://schemas.openxmlformats.org/officeDocument/2006/relationships" xmlns:mc="http://schemas.openxmlformats.org/markup-compatibility/2006" xmlns:mv="urn:schemas-microsoft-com:mac:vml" xmlns:p="http://schemas.openxmlformats.org/presentationml/2006/main" mc:Ignorable="mv" mc:PreserveAttributes="mv:*" preserve="1">
   <p:cSld name="Picture above Caption">
     <p:spTree>
       <p:nvGrpSpPr>
@@ -2954,7 +2955,7 @@
             <a:fld id="{C49EF217-1A2C-F645-8901-538F19DC3288}" type="datetimeFigureOut">
               <a:rPr lang="en-US" smtClean="0"/>
               <a:pPr/>
-              <a:t>9/27/2011</a:t>
+              <a:t>9/28/11</a:t>
             </a:fld>
             <a:endParaRPr lang="en-US"/>
           </a:p>
@@ -3050,7 +3051,7 @@
 </file>
 
 <file path=ppt/slideLayouts/slideLayout18.xml><?xml version="1.0" encoding="utf-8"?>
-<p:sldLayout xmlns:a="http://schemas.openxmlformats.org/drawingml/2006/main" xmlns:r="http://schemas.openxmlformats.org/officeDocument/2006/relationships" xmlns:p="http://schemas.openxmlformats.org/presentationml/2006/main" preserve="1">
+<p:sldLayout xmlns:a="http://schemas.openxmlformats.org/drawingml/2006/main" xmlns:r="http://schemas.openxmlformats.org/officeDocument/2006/relationships" xmlns:mc="http://schemas.openxmlformats.org/markup-compatibility/2006" xmlns:mv="urn:schemas-microsoft-com:mac:vml" xmlns:p="http://schemas.openxmlformats.org/presentationml/2006/main" mc:Ignorable="mv" mc:PreserveAttributes="mv:*" preserve="1">
   <p:cSld name="2 Pictures above Caption">
     <p:spTree>
       <p:nvGrpSpPr>
@@ -3550,7 +3551,7 @@
             <a:fld id="{C49EF217-1A2C-F645-8901-538F19DC3288}" type="datetimeFigureOut">
               <a:rPr lang="en-US" smtClean="0"/>
               <a:pPr/>
-              <a:t>9/27/2011</a:t>
+              <a:t>9/28/11</a:t>
             </a:fld>
             <a:endParaRPr lang="en-US"/>
           </a:p>
@@ -3608,7 +3609,7 @@
 </file>
 
 <file path=ppt/slideLayouts/slideLayout19.xml><?xml version="1.0" encoding="utf-8"?>
-<p:sldLayout xmlns:a="http://schemas.openxmlformats.org/drawingml/2006/main" xmlns:r="http://schemas.openxmlformats.org/officeDocument/2006/relationships" xmlns:p="http://schemas.openxmlformats.org/presentationml/2006/main" type="vertTx" preserve="1">
+<p:sldLayout xmlns:a="http://schemas.openxmlformats.org/drawingml/2006/main" xmlns:r="http://schemas.openxmlformats.org/officeDocument/2006/relationships" xmlns:mc="http://schemas.openxmlformats.org/markup-compatibility/2006" xmlns:mv="urn:schemas-microsoft-com:mac:vml" xmlns:p="http://schemas.openxmlformats.org/presentationml/2006/main" mc:Ignorable="mv" mc:PreserveAttributes="mv:*" type="vertTx" preserve="1">
   <p:cSld name="Title and Vertical Text">
     <p:bg>
       <p:bgPr>
@@ -3731,7 +3732,7 @@
             <a:fld id="{C49EF217-1A2C-F645-8901-538F19DC3288}" type="datetimeFigureOut">
               <a:rPr lang="en-US" smtClean="0"/>
               <a:pPr/>
-              <a:t>9/27/2011</a:t>
+              <a:t>9/28/11</a:t>
             </a:fld>
             <a:endParaRPr lang="en-US"/>
           </a:p>
@@ -3789,7 +3790,7 @@
 </file>
 
 <file path=ppt/slideLayouts/slideLayout2.xml><?xml version="1.0" encoding="utf-8"?>
-<p:sldLayout xmlns:a="http://schemas.openxmlformats.org/drawingml/2006/main" xmlns:r="http://schemas.openxmlformats.org/officeDocument/2006/relationships" xmlns:p="http://schemas.openxmlformats.org/presentationml/2006/main" type="obj" preserve="1">
+<p:sldLayout xmlns:a="http://schemas.openxmlformats.org/drawingml/2006/main" xmlns:r="http://schemas.openxmlformats.org/officeDocument/2006/relationships" xmlns:mc="http://schemas.openxmlformats.org/markup-compatibility/2006" xmlns:mv="urn:schemas-microsoft-com:mac:vml" xmlns:p="http://schemas.openxmlformats.org/presentationml/2006/main" mc:Ignorable="mv" mc:PreserveAttributes="mv:*" type="obj" preserve="1">
   <p:cSld name="Title and Content">
     <p:spTree>
       <p:nvGrpSpPr>
@@ -3898,7 +3899,7 @@
             <a:fld id="{C49EF217-1A2C-F645-8901-538F19DC3288}" type="datetimeFigureOut">
               <a:rPr lang="en-US" smtClean="0"/>
               <a:pPr/>
-              <a:t>9/27/2011</a:t>
+              <a:t>9/28/11</a:t>
             </a:fld>
             <a:endParaRPr lang="en-US"/>
           </a:p>
@@ -3956,7 +3957,7 @@
 </file>
 
 <file path=ppt/slideLayouts/slideLayout20.xml><?xml version="1.0" encoding="utf-8"?>
-<p:sldLayout xmlns:a="http://schemas.openxmlformats.org/drawingml/2006/main" xmlns:r="http://schemas.openxmlformats.org/officeDocument/2006/relationships" xmlns:p="http://schemas.openxmlformats.org/presentationml/2006/main" type="vertTitleAndTx" preserve="1">
+<p:sldLayout xmlns:a="http://schemas.openxmlformats.org/drawingml/2006/main" xmlns:r="http://schemas.openxmlformats.org/officeDocument/2006/relationships" xmlns:mc="http://schemas.openxmlformats.org/markup-compatibility/2006" xmlns:mv="urn:schemas-microsoft-com:mac:vml" xmlns:p="http://schemas.openxmlformats.org/presentationml/2006/main" mc:Ignorable="mv" mc:PreserveAttributes="mv:*" type="vertTitleAndTx" preserve="1">
   <p:cSld name="Vertical Title and Text">
     <p:bg>
       <p:bgPr>
@@ -4089,7 +4090,7 @@
             <a:fld id="{C49EF217-1A2C-F645-8901-538F19DC3288}" type="datetimeFigureOut">
               <a:rPr lang="en-US" smtClean="0"/>
               <a:pPr/>
-              <a:t>9/27/2011</a:t>
+              <a:t>9/28/11</a:t>
             </a:fld>
             <a:endParaRPr lang="en-US"/>
           </a:p>
@@ -4147,7 +4148,7 @@
 </file>
 
 <file path=ppt/slideLayouts/slideLayout3.xml><?xml version="1.0" encoding="utf-8"?>
-<p:sldLayout xmlns:a="http://schemas.openxmlformats.org/drawingml/2006/main" xmlns:r="http://schemas.openxmlformats.org/officeDocument/2006/relationships" xmlns:p="http://schemas.openxmlformats.org/presentationml/2006/main" preserve="1">
+<p:sldLayout xmlns:a="http://schemas.openxmlformats.org/drawingml/2006/main" xmlns:r="http://schemas.openxmlformats.org/officeDocument/2006/relationships" xmlns:mc="http://schemas.openxmlformats.org/markup-compatibility/2006" xmlns:mv="urn:schemas-microsoft-com:mac:vml" xmlns:p="http://schemas.openxmlformats.org/presentationml/2006/main" mc:Ignorable="mv" mc:PreserveAttributes="mv:*" preserve="1">
   <p:cSld name="Title Slide with Watermark">
     <p:bg>
       <p:bgRef idx="1003">
@@ -4507,7 +4508,7 @@
             <a:fld id="{C49EF217-1A2C-F645-8901-538F19DC3288}" type="datetimeFigureOut">
               <a:rPr lang="en-US" smtClean="0"/>
               <a:pPr/>
-              <a:t>9/27/2011</a:t>
+              <a:t>9/28/11</a:t>
             </a:fld>
             <a:endParaRPr lang="en-US"/>
           </a:p>
@@ -4588,7 +4589,7 @@
 </file>
 
 <file path=ppt/slideLayouts/slideLayout4.xml><?xml version="1.0" encoding="utf-8"?>
-<p:sldLayout xmlns:a="http://schemas.openxmlformats.org/drawingml/2006/main" xmlns:r="http://schemas.openxmlformats.org/officeDocument/2006/relationships" xmlns:p="http://schemas.openxmlformats.org/presentationml/2006/main" type="secHead" preserve="1">
+<p:sldLayout xmlns:a="http://schemas.openxmlformats.org/drawingml/2006/main" xmlns:r="http://schemas.openxmlformats.org/officeDocument/2006/relationships" xmlns:mc="http://schemas.openxmlformats.org/markup-compatibility/2006" xmlns:mv="urn:schemas-microsoft-com:mac:vml" xmlns:p="http://schemas.openxmlformats.org/presentationml/2006/main" mc:Ignorable="mv" mc:PreserveAttributes="mv:*" type="secHead" preserve="1">
   <p:cSld name="Section Header">
     <p:bg>
       <p:bgRef idx="1002">
@@ -4804,7 +4805,7 @@
             <a:fld id="{C49EF217-1A2C-F645-8901-538F19DC3288}" type="datetimeFigureOut">
               <a:rPr lang="en-US" smtClean="0"/>
               <a:pPr/>
-              <a:t>9/27/2011</a:t>
+              <a:t>9/28/11</a:t>
             </a:fld>
             <a:endParaRPr lang="en-US"/>
           </a:p>
@@ -4862,7 +4863,7 @@
 </file>
 
 <file path=ppt/slideLayouts/slideLayout5.xml><?xml version="1.0" encoding="utf-8"?>
-<p:sldLayout xmlns:a="http://schemas.openxmlformats.org/drawingml/2006/main" xmlns:r="http://schemas.openxmlformats.org/officeDocument/2006/relationships" xmlns:p="http://schemas.openxmlformats.org/presentationml/2006/main" preserve="1">
+<p:sldLayout xmlns:a="http://schemas.openxmlformats.org/drawingml/2006/main" xmlns:r="http://schemas.openxmlformats.org/officeDocument/2006/relationships" xmlns:mc="http://schemas.openxmlformats.org/markup-compatibility/2006" xmlns:mv="urn:schemas-microsoft-com:mac:vml" xmlns:p="http://schemas.openxmlformats.org/presentationml/2006/main" mc:Ignorable="mv" mc:PreserveAttributes="mv:*" preserve="1">
   <p:cSld name="Section with Watermark">
     <p:bg>
       <p:bgRef idx="1002">
@@ -5204,7 +5205,7 @@
             <a:fld id="{C49EF217-1A2C-F645-8901-538F19DC3288}" type="datetimeFigureOut">
               <a:rPr lang="en-US" smtClean="0"/>
               <a:pPr/>
-              <a:t>9/27/2011</a:t>
+              <a:t>9/28/11</a:t>
             </a:fld>
             <a:endParaRPr lang="en-US"/>
           </a:p>
@@ -5262,7 +5263,7 @@
 </file>
 
 <file path=ppt/slideLayouts/slideLayout6.xml><?xml version="1.0" encoding="utf-8"?>
-<p:sldLayout xmlns:a="http://schemas.openxmlformats.org/drawingml/2006/main" xmlns:r="http://schemas.openxmlformats.org/officeDocument/2006/relationships" xmlns:p="http://schemas.openxmlformats.org/presentationml/2006/main" preserve="1">
+<p:sldLayout xmlns:a="http://schemas.openxmlformats.org/drawingml/2006/main" xmlns:r="http://schemas.openxmlformats.org/officeDocument/2006/relationships" xmlns:mc="http://schemas.openxmlformats.org/markup-compatibility/2006" xmlns:mv="urn:schemas-microsoft-com:mac:vml" xmlns:p="http://schemas.openxmlformats.org/presentationml/2006/main" mc:Ignorable="mv" mc:PreserveAttributes="mv:*" preserve="1">
   <p:cSld name="Section with Picture">
     <p:bg>
       <p:bgPr>
@@ -5593,7 +5594,7 @@
             <a:fld id="{C49EF217-1A2C-F645-8901-538F19DC3288}" type="datetimeFigureOut">
               <a:rPr lang="en-US" smtClean="0"/>
               <a:pPr/>
-              <a:t>9/27/2011</a:t>
+              <a:t>9/28/11</a:t>
             </a:fld>
             <a:endParaRPr lang="en-US"/>
           </a:p>
@@ -5651,7 +5652,7 @@
 </file>
 
 <file path=ppt/slideLayouts/slideLayout7.xml><?xml version="1.0" encoding="utf-8"?>
-<p:sldLayout xmlns:a="http://schemas.openxmlformats.org/drawingml/2006/main" xmlns:r="http://schemas.openxmlformats.org/officeDocument/2006/relationships" xmlns:p="http://schemas.openxmlformats.org/presentationml/2006/main" type="twoObj" preserve="1">
+<p:sldLayout xmlns:a="http://schemas.openxmlformats.org/drawingml/2006/main" xmlns:r="http://schemas.openxmlformats.org/officeDocument/2006/relationships" xmlns:mc="http://schemas.openxmlformats.org/markup-compatibility/2006" xmlns:mv="urn:schemas-microsoft-com:mac:vml" xmlns:p="http://schemas.openxmlformats.org/presentationml/2006/main" mc:Ignorable="mv" mc:PreserveAttributes="mv:*" type="twoObj" preserve="1">
   <p:cSld name="Two Content">
     <p:spTree>
       <p:nvGrpSpPr>
@@ -5878,7 +5879,7 @@
             <a:fld id="{C49EF217-1A2C-F645-8901-538F19DC3288}" type="datetimeFigureOut">
               <a:rPr lang="en-US" smtClean="0"/>
               <a:pPr/>
-              <a:t>9/27/2011</a:t>
+              <a:t>9/28/11</a:t>
             </a:fld>
             <a:endParaRPr lang="en-US"/>
           </a:p>
@@ -5936,7 +5937,7 @@
 </file>
 
 <file path=ppt/slideLayouts/slideLayout8.xml><?xml version="1.0" encoding="utf-8"?>
-<p:sldLayout xmlns:a="http://schemas.openxmlformats.org/drawingml/2006/main" xmlns:r="http://schemas.openxmlformats.org/officeDocument/2006/relationships" xmlns:p="http://schemas.openxmlformats.org/presentationml/2006/main" type="twoTxTwoObj" preserve="1">
+<p:sldLayout xmlns:a="http://schemas.openxmlformats.org/drawingml/2006/main" xmlns:r="http://schemas.openxmlformats.org/officeDocument/2006/relationships" xmlns:mc="http://schemas.openxmlformats.org/markup-compatibility/2006" xmlns:mv="urn:schemas-microsoft-com:mac:vml" xmlns:p="http://schemas.openxmlformats.org/presentationml/2006/main" mc:Ignorable="mv" mc:PreserveAttributes="mv:*" type="twoTxTwoObj" preserve="1">
   <p:cSld name="Comparison">
     <p:spTree>
       <p:nvGrpSpPr>
@@ -6313,7 +6314,7 @@
             <a:fld id="{C49EF217-1A2C-F645-8901-538F19DC3288}" type="datetimeFigureOut">
               <a:rPr lang="en-US" smtClean="0"/>
               <a:pPr/>
-              <a:t>9/27/2011</a:t>
+              <a:t>9/28/11</a:t>
             </a:fld>
             <a:endParaRPr lang="en-US"/>
           </a:p>
@@ -6467,7 +6468,7 @@
 </file>
 
 <file path=ppt/slideLayouts/slideLayout9.xml><?xml version="1.0" encoding="utf-8"?>
-<p:sldLayout xmlns:a="http://schemas.openxmlformats.org/drawingml/2006/main" xmlns:r="http://schemas.openxmlformats.org/officeDocument/2006/relationships" xmlns:p="http://schemas.openxmlformats.org/presentationml/2006/main" preserve="1">
+<p:sldLayout xmlns:a="http://schemas.openxmlformats.org/drawingml/2006/main" xmlns:r="http://schemas.openxmlformats.org/officeDocument/2006/relationships" xmlns:mc="http://schemas.openxmlformats.org/markup-compatibility/2006" xmlns:mv="urn:schemas-microsoft-com:mac:vml" xmlns:p="http://schemas.openxmlformats.org/presentationml/2006/main" mc:Ignorable="mv" mc:PreserveAttributes="mv:*" preserve="1">
   <p:cSld name="2 Content, Top and Bottom">
     <p:spTree>
       <p:nvGrpSpPr>
@@ -6609,7 +6610,7 @@
             <a:fld id="{C49EF217-1A2C-F645-8901-538F19DC3288}" type="datetimeFigureOut">
               <a:rPr lang="en-US" smtClean="0"/>
               <a:pPr/>
-              <a:t>9/27/2011</a:t>
+              <a:t>9/28/11</a:t>
             </a:fld>
             <a:endParaRPr lang="en-US"/>
           </a:p>
@@ -6752,7 +6753,7 @@
 </file>
 
 <file path=ppt/slideMasters/slideMaster1.xml><?xml version="1.0" encoding="utf-8"?>
-<p:sldMaster xmlns:a="http://schemas.openxmlformats.org/drawingml/2006/main" xmlns:r="http://schemas.openxmlformats.org/officeDocument/2006/relationships" xmlns:p="http://schemas.openxmlformats.org/presentationml/2006/main">
+<p:sldMaster xmlns:a="http://schemas.openxmlformats.org/drawingml/2006/main" xmlns:r="http://schemas.openxmlformats.org/officeDocument/2006/relationships" xmlns:mc="http://schemas.openxmlformats.org/markup-compatibility/2006" xmlns:mv="urn:schemas-microsoft-com:mac:vml" xmlns:p="http://schemas.openxmlformats.org/presentationml/2006/main" mc:Ignorable="mv" mc:PreserveAttributes="mv:*">
   <p:cSld>
     <p:bg>
       <p:bgRef idx="1001">
@@ -6903,7 +6904,7 @@
             <a:fld id="{C49EF217-1A2C-F645-8901-538F19DC3288}" type="datetimeFigureOut">
               <a:rPr lang="en-US" smtClean="0"/>
               <a:pPr/>
-              <a:t>9/27/2011</a:t>
+              <a:t>9/28/11</a:t>
             </a:fld>
             <a:endParaRPr lang="en-US"/>
           </a:p>
@@ -7002,26 +7003,26 @@
   </p:cSld>
   <p:clrMap bg1="lt1" tx1="dk1" bg2="lt2" tx2="dk2" accent1="accent1" accent2="accent2" accent3="accent3" accent4="accent4" accent5="accent5" accent6="accent6" hlink="hlink" folHlink="folHlink"/>
   <p:sldLayoutIdLst>
-    <p:sldLayoutId id="2147483649" r:id="rId1"/>
-    <p:sldLayoutId id="2147483650" r:id="rId2"/>
-    <p:sldLayoutId id="2147483651" r:id="rId3"/>
-    <p:sldLayoutId id="2147483652" r:id="rId4"/>
-    <p:sldLayoutId id="2147483653" r:id="rId5"/>
-    <p:sldLayoutId id="2147483654" r:id="rId6"/>
-    <p:sldLayoutId id="2147483655" r:id="rId7"/>
-    <p:sldLayoutId id="2147483656" r:id="rId8"/>
-    <p:sldLayoutId id="2147483657" r:id="rId9"/>
-    <p:sldLayoutId id="2147483658" r:id="rId10"/>
-    <p:sldLayoutId id="2147483659" r:id="rId11"/>
-    <p:sldLayoutId id="2147483660" r:id="rId12"/>
-    <p:sldLayoutId id="2147483661" r:id="rId13"/>
-    <p:sldLayoutId id="2147483662" r:id="rId14"/>
-    <p:sldLayoutId id="2147483663" r:id="rId15"/>
-    <p:sldLayoutId id="2147483664" r:id="rId16"/>
-    <p:sldLayoutId id="2147483665" r:id="rId17"/>
-    <p:sldLayoutId id="2147483666" r:id="rId18"/>
-    <p:sldLayoutId id="2147483667" r:id="rId19"/>
-    <p:sldLayoutId id="2147483668" r:id="rId20"/>
+    <p:sldLayoutId r:id="rId1"/>
+    <p:sldLayoutId r:id="rId2"/>
+    <p:sldLayoutId r:id="rId3"/>
+    <p:sldLayoutId r:id="rId4"/>
+    <p:sldLayoutId r:id="rId5"/>
+    <p:sldLayoutId r:id="rId6"/>
+    <p:sldLayoutId r:id="rId7"/>
+    <p:sldLayoutId r:id="rId8"/>
+    <p:sldLayoutId r:id="rId9"/>
+    <p:sldLayoutId r:id="rId10"/>
+    <p:sldLayoutId r:id="rId11"/>
+    <p:sldLayoutId r:id="rId12"/>
+    <p:sldLayoutId r:id="rId13"/>
+    <p:sldLayoutId r:id="rId14"/>
+    <p:sldLayoutId r:id="rId15"/>
+    <p:sldLayoutId r:id="rId16"/>
+    <p:sldLayoutId r:id="rId17"/>
+    <p:sldLayoutId r:id="rId18"/>
+    <p:sldLayoutId r:id="rId19"/>
+    <p:sldLayoutId r:id="rId20"/>
   </p:sldLayoutIdLst>
   <p:txStyles>
     <p:titleStyle>
@@ -7292,7 +7293,7 @@
 </file>
 
 <file path=ppt/slides/slide1.xml><?xml version="1.0" encoding="utf-8"?>
-<p:sld xmlns:a="http://schemas.openxmlformats.org/drawingml/2006/main" xmlns:r="http://schemas.openxmlformats.org/officeDocument/2006/relationships" xmlns:p="http://schemas.openxmlformats.org/presentationml/2006/main">
+<p:sld xmlns:a="http://schemas.openxmlformats.org/drawingml/2006/main" xmlns:r="http://schemas.openxmlformats.org/officeDocument/2006/relationships" xmlns:mc="http://schemas.openxmlformats.org/markup-compatibility/2006" xmlns:mv="urn:schemas-microsoft-com:mac:vml" xmlns:p="http://schemas.openxmlformats.org/presentationml/2006/main" mc:Ignorable="mv" mc:PreserveAttributes="mv:*">
   <p:cSld>
     <p:spTree>
       <p:nvGrpSpPr>
@@ -8585,7 +8586,7 @@
 </file>
 
 <file path=ppt/slides/slide2.xml><?xml version="1.0" encoding="utf-8"?>
-<p:sld xmlns:a="http://schemas.openxmlformats.org/drawingml/2006/main" xmlns:r="http://schemas.openxmlformats.org/officeDocument/2006/relationships" xmlns:p="http://schemas.openxmlformats.org/presentationml/2006/main">
+<p:sld xmlns:a="http://schemas.openxmlformats.org/drawingml/2006/main" xmlns:r="http://schemas.openxmlformats.org/officeDocument/2006/relationships" xmlns:mc="http://schemas.openxmlformats.org/markup-compatibility/2006" xmlns:mv="urn:schemas-microsoft-com:mac:vml" xmlns:p="http://schemas.openxmlformats.org/presentationml/2006/main" mc:Ignorable="mv" mc:PreserveAttributes="mv:*">
   <p:cSld>
     <p:spTree>
       <p:nvGrpSpPr>
@@ -8642,7 +8643,7 @@
 </file>
 
 <file path=ppt/slides/slide3.xml><?xml version="1.0" encoding="utf-8"?>
-<p:sld xmlns:a="http://schemas.openxmlformats.org/drawingml/2006/main" xmlns:r="http://schemas.openxmlformats.org/officeDocument/2006/relationships" xmlns:p="http://schemas.openxmlformats.org/presentationml/2006/main">
+<p:sld xmlns:a="http://schemas.openxmlformats.org/drawingml/2006/main" xmlns:r="http://schemas.openxmlformats.org/officeDocument/2006/relationships" xmlns:mc="http://schemas.openxmlformats.org/markup-compatibility/2006" xmlns:mv="urn:schemas-microsoft-com:mac:vml" xmlns:p="http://schemas.openxmlformats.org/presentationml/2006/main" mc:Ignorable="mv" mc:PreserveAttributes="mv:*">
   <p:cSld>
     <p:spTree>
       <p:nvGrpSpPr>
@@ -10006,6 +10007,1293 @@
 </p:sld>
 </file>
 
+<file path=ppt/slides/slide4.xml><?xml version="1.0" encoding="utf-8"?>
+<p:sld xmlns:a="http://schemas.openxmlformats.org/drawingml/2006/main" xmlns:r="http://schemas.openxmlformats.org/officeDocument/2006/relationships" xmlns:mc="http://schemas.openxmlformats.org/markup-compatibility/2006" xmlns:mv="urn:schemas-microsoft-com:mac:vml" xmlns:p="http://schemas.openxmlformats.org/presentationml/2006/main" mc:Ignorable="mv" mc:PreserveAttributes="mv:*">
+  <p:cSld>
+    <p:spTree>
+      <p:nvGrpSpPr>
+        <p:cNvPr id="1" name=""/>
+        <p:cNvGrpSpPr/>
+        <p:nvPr/>
+      </p:nvGrpSpPr>
+      <p:grpSpPr>
+        <a:xfrm>
+          <a:off x="0" y="0"/>
+          <a:ext cx="0" cy="0"/>
+          <a:chOff x="0" y="0"/>
+          <a:chExt cx="0" cy="0"/>
+        </a:xfrm>
+      </p:grpSpPr>
+      <p:sp>
+        <p:nvSpPr>
+          <p:cNvPr id="26" name="Rounded Rectangle 25"/>
+          <p:cNvSpPr/>
+          <p:nvPr/>
+        </p:nvSpPr>
+        <p:spPr>
+          <a:xfrm>
+            <a:off x="152400" y="228600"/>
+            <a:ext cx="8839200" cy="6477000"/>
+          </a:xfrm>
+          <a:prstGeom prst="roundRect">
+            <a:avLst/>
+          </a:prstGeom>
+          <a:solidFill>
+            <a:schemeClr val="bg1">
+              <a:alpha val="44000"/>
+            </a:schemeClr>
+          </a:solidFill>
+          <a:ln>
+            <a:solidFill>
+              <a:schemeClr val="bg1">
+                <a:lumMod val="95000"/>
+                <a:alpha val="38000"/>
+              </a:schemeClr>
+            </a:solidFill>
+          </a:ln>
+        </p:spPr>
+        <p:style>
+          <a:lnRef idx="1">
+            <a:schemeClr val="accent1"/>
+          </a:lnRef>
+          <a:fillRef idx="3">
+            <a:schemeClr val="accent1"/>
+          </a:fillRef>
+          <a:effectRef idx="2">
+            <a:schemeClr val="accent1"/>
+          </a:effectRef>
+          <a:fontRef idx="minor">
+            <a:schemeClr val="lt1"/>
+          </a:fontRef>
+        </p:style>
+        <p:txBody>
+          <a:bodyPr rtlCol="0" anchor="ctr"/>
+          <a:lstStyle/>
+          <a:p>
+            <a:pPr algn="ctr"/>
+            <a:endParaRPr lang="en-US"/>
+          </a:p>
+        </p:txBody>
+      </p:sp>
+      <p:sp>
+        <p:nvSpPr>
+          <p:cNvPr id="28" name="Bevel 27"/>
+          <p:cNvSpPr/>
+          <p:nvPr/>
+        </p:nvSpPr>
+        <p:spPr>
+          <a:xfrm>
+            <a:off x="685800" y="1828800"/>
+            <a:ext cx="1941511" cy="3011270"/>
+          </a:xfrm>
+          <a:prstGeom prst="bevel">
+            <a:avLst>
+              <a:gd name="adj" fmla="val 7113"/>
+            </a:avLst>
+          </a:prstGeom>
+        </p:spPr>
+        <p:style>
+          <a:lnRef idx="1">
+            <a:schemeClr val="accent1"/>
+          </a:lnRef>
+          <a:fillRef idx="3">
+            <a:schemeClr val="accent1"/>
+          </a:fillRef>
+          <a:effectRef idx="2">
+            <a:schemeClr val="accent1"/>
+          </a:effectRef>
+          <a:fontRef idx="minor">
+            <a:schemeClr val="lt1"/>
+          </a:fontRef>
+        </p:style>
+        <p:txBody>
+          <a:bodyPr rtlCol="0" anchor="t"/>
+          <a:lstStyle/>
+          <a:p>
+            <a:pPr algn="ctr"/>
+            <a:r>
+              <a:rPr lang="en-US" sz="2000" b="1" dirty="0" err="1" smtClean="0"/>
+              <a:t>n</a:t>
+            </a:r>
+            <a:r>
+              <a:rPr lang="en-US" sz="2000" b="1" dirty="0" smtClean="0"/>
+              <a:t> Reservoir Simulation</a:t>
+            </a:r>
+          </a:p>
+          <a:p>
+            <a:pPr algn="ctr"/>
+            <a:endParaRPr lang="en-US" sz="2000" b="1" dirty="0" smtClean="0"/>
+          </a:p>
+        </p:txBody>
+      </p:sp>
+      <p:sp>
+        <p:nvSpPr>
+          <p:cNvPr id="33" name="TextBox 32"/>
+          <p:cNvSpPr txBox="1"/>
+          <p:nvPr/>
+        </p:nvSpPr>
+        <p:spPr>
+          <a:xfrm>
+            <a:off x="2779711" y="2426493"/>
+            <a:ext cx="2345414" cy="584776"/>
+          </a:xfrm>
+          <a:prstGeom prst="rect">
+            <a:avLst/>
+          </a:prstGeom>
+          <a:noFill/>
+        </p:spPr>
+        <p:txBody>
+          <a:bodyPr wrap="none" rtlCol="0">
+            <a:spAutoFit/>
+          </a:bodyPr>
+          <a:lstStyle/>
+          <a:p>
+            <a:r>
+              <a:rPr lang="en-US" sz="1600" dirty="0" smtClean="0">
+                <a:solidFill>
+                  <a:schemeClr val="accent1">
+                    <a:lumMod val="75000"/>
+                  </a:schemeClr>
+                </a:solidFill>
+              </a:rPr>
+              <a:t>Results from reservoir </a:t>
+            </a:r>
+            <a:r>
+              <a:rPr lang="en-US" sz="1600" dirty="0" err="1" smtClean="0">
+                <a:solidFill>
+                  <a:schemeClr val="accent1">
+                    <a:lumMod val="75000"/>
+                  </a:schemeClr>
+                </a:solidFill>
+              </a:rPr>
+              <a:t>sim</a:t>
+            </a:r>
+            <a:r>
+              <a:rPr lang="en-US" sz="1600" dirty="0" smtClean="0">
+                <a:solidFill>
+                  <a:schemeClr val="accent1">
+                    <a:lumMod val="75000"/>
+                  </a:schemeClr>
+                </a:solidFill>
+              </a:rPr>
+              <a:t>.</a:t>
+            </a:r>
+          </a:p>
+          <a:p>
+            <a:r>
+              <a:rPr lang="en-US" sz="1600" dirty="0" smtClean="0">
+                <a:solidFill>
+                  <a:schemeClr val="accent1">
+                    <a:lumMod val="75000"/>
+                  </a:schemeClr>
+                </a:solidFill>
+              </a:rPr>
+              <a:t>Will be input to </a:t>
+            </a:r>
+            <a:r>
+              <a:rPr lang="en-US" sz="1600" dirty="0" err="1" smtClean="0">
+                <a:solidFill>
+                  <a:schemeClr val="accent1">
+                    <a:lumMod val="75000"/>
+                  </a:schemeClr>
+                </a:solidFill>
+              </a:rPr>
+              <a:t>EnKF</a:t>
+            </a:r>
+            <a:endParaRPr lang="en-US" sz="1600" dirty="0">
+              <a:solidFill>
+                <a:schemeClr val="accent1">
+                  <a:lumMod val="75000"/>
+                </a:schemeClr>
+              </a:solidFill>
+            </a:endParaRPr>
+          </a:p>
+        </p:txBody>
+      </p:sp>
+      <p:cxnSp>
+        <p:nvCxnSpPr>
+          <p:cNvPr id="59" name="Straight Arrow Connector 58"/>
+          <p:cNvCxnSpPr/>
+          <p:nvPr/>
+        </p:nvCxnSpPr>
+        <p:spPr>
+          <a:xfrm>
+            <a:off x="2855911" y="3238281"/>
+            <a:ext cx="2044082" cy="1588"/>
+          </a:xfrm>
+          <a:prstGeom prst="straightConnector1">
+            <a:avLst/>
+          </a:prstGeom>
+          <a:ln w="76200" cap="flat" cmpd="sng" algn="ctr">
+            <a:solidFill>
+              <a:schemeClr val="accent1"/>
+            </a:solidFill>
+            <a:prstDash val="solid"/>
+            <a:round/>
+            <a:headEnd type="none" w="med" len="med"/>
+            <a:tailEnd type="arrow" w="med" len="med"/>
+          </a:ln>
+        </p:spPr>
+        <p:style>
+          <a:lnRef idx="2">
+            <a:schemeClr val="accent1"/>
+          </a:lnRef>
+          <a:fillRef idx="0">
+            <a:schemeClr val="accent1"/>
+          </a:fillRef>
+          <a:effectRef idx="1">
+            <a:schemeClr val="accent1"/>
+          </a:effectRef>
+          <a:fontRef idx="minor">
+            <a:schemeClr val="tx1"/>
+          </a:fontRef>
+        </p:style>
+      </p:cxnSp>
+      <p:grpSp>
+        <p:nvGrpSpPr>
+          <p:cNvPr id="2" name="Group 79"/>
+          <p:cNvGrpSpPr/>
+          <p:nvPr/>
+        </p:nvGrpSpPr>
+        <p:grpSpPr>
+          <a:xfrm>
+            <a:off x="815024" y="3011269"/>
+            <a:ext cx="1507487" cy="1447800"/>
+            <a:chOff x="1068549" y="2497666"/>
+            <a:chExt cx="1507487" cy="1447800"/>
+          </a:xfrm>
+        </p:grpSpPr>
+        <p:sp>
+          <p:nvSpPr>
+            <p:cNvPr id="40" name="Left Brace 39"/>
+            <p:cNvSpPr/>
+            <p:nvPr/>
+          </p:nvSpPr>
+          <p:spPr>
+            <a:xfrm>
+              <a:off x="1447800" y="2497666"/>
+              <a:ext cx="228600" cy="1447800"/>
+            </a:xfrm>
+            <a:prstGeom prst="leftBrace">
+              <a:avLst/>
+            </a:prstGeom>
+            <a:ln>
+              <a:solidFill>
+                <a:schemeClr val="bg1"/>
+              </a:solidFill>
+            </a:ln>
+          </p:spPr>
+          <p:style>
+            <a:lnRef idx="2">
+              <a:schemeClr val="accent1"/>
+            </a:lnRef>
+            <a:fillRef idx="0">
+              <a:schemeClr val="accent1"/>
+            </a:fillRef>
+            <a:effectRef idx="1">
+              <a:schemeClr val="accent1"/>
+            </a:effectRef>
+            <a:fontRef idx="minor">
+              <a:schemeClr val="tx1"/>
+            </a:fontRef>
+          </p:style>
+          <p:txBody>
+            <a:bodyPr rtlCol="0" anchor="ctr"/>
+            <a:lstStyle/>
+            <a:p>
+              <a:pPr algn="ctr"/>
+              <a:endParaRPr lang="en-US"/>
+            </a:p>
+          </p:txBody>
+        </p:sp>
+        <p:sp>
+          <p:nvSpPr>
+            <p:cNvPr id="58" name="TextBox 57"/>
+            <p:cNvSpPr txBox="1"/>
+            <p:nvPr/>
+          </p:nvSpPr>
+          <p:spPr>
+            <a:xfrm>
+              <a:off x="1068549" y="2921520"/>
+              <a:ext cx="311691" cy="369332"/>
+            </a:xfrm>
+            <a:prstGeom prst="rect">
+              <a:avLst/>
+            </a:prstGeom>
+            <a:noFill/>
+          </p:spPr>
+          <p:txBody>
+            <a:bodyPr wrap="none" rtlCol="0">
+              <a:spAutoFit/>
+            </a:bodyPr>
+            <a:lstStyle/>
+            <a:p>
+              <a:r>
+                <a:rPr lang="en-US" dirty="0" err="1" smtClean="0">
+                  <a:solidFill>
+                    <a:schemeClr val="bg1"/>
+                  </a:solidFill>
+                </a:rPr>
+                <a:t>n</a:t>
+              </a:r>
+              <a:endParaRPr lang="en-US" dirty="0">
+                <a:solidFill>
+                  <a:schemeClr val="bg1"/>
+                </a:solidFill>
+              </a:endParaRPr>
+            </a:p>
+          </p:txBody>
+        </p:sp>
+        <p:cxnSp>
+          <p:nvCxnSpPr>
+            <p:cNvPr id="60" name="Straight Connector 59"/>
+            <p:cNvCxnSpPr/>
+            <p:nvPr/>
+          </p:nvCxnSpPr>
+          <p:spPr>
+            <a:xfrm>
+              <a:off x="1839834" y="2514600"/>
+              <a:ext cx="736202" cy="1588"/>
+            </a:xfrm>
+            <a:prstGeom prst="line">
+              <a:avLst/>
+            </a:prstGeom>
+            <a:ln>
+              <a:solidFill>
+                <a:srgbClr val="FFFFFF"/>
+              </a:solidFill>
+            </a:ln>
+          </p:spPr>
+          <p:style>
+            <a:lnRef idx="2">
+              <a:schemeClr val="accent1"/>
+            </a:lnRef>
+            <a:fillRef idx="0">
+              <a:schemeClr val="accent1"/>
+            </a:fillRef>
+            <a:effectRef idx="1">
+              <a:schemeClr val="accent1"/>
+            </a:effectRef>
+            <a:fontRef idx="minor">
+              <a:schemeClr val="tx1"/>
+            </a:fontRef>
+          </p:style>
+        </p:cxnSp>
+        <p:cxnSp>
+          <p:nvCxnSpPr>
+            <p:cNvPr id="61" name="Straight Connector 60"/>
+            <p:cNvCxnSpPr/>
+            <p:nvPr/>
+          </p:nvCxnSpPr>
+          <p:spPr>
+            <a:xfrm>
+              <a:off x="1837670" y="2590800"/>
+              <a:ext cx="736202" cy="1588"/>
+            </a:xfrm>
+            <a:prstGeom prst="line">
+              <a:avLst/>
+            </a:prstGeom>
+            <a:ln>
+              <a:solidFill>
+                <a:srgbClr val="FFFFFF"/>
+              </a:solidFill>
+            </a:ln>
+          </p:spPr>
+          <p:style>
+            <a:lnRef idx="2">
+              <a:schemeClr val="accent1"/>
+            </a:lnRef>
+            <a:fillRef idx="0">
+              <a:schemeClr val="accent1"/>
+            </a:fillRef>
+            <a:effectRef idx="1">
+              <a:schemeClr val="accent1"/>
+            </a:effectRef>
+            <a:fontRef idx="minor">
+              <a:schemeClr val="tx1"/>
+            </a:fontRef>
+          </p:style>
+        </p:cxnSp>
+        <p:cxnSp>
+          <p:nvCxnSpPr>
+            <p:cNvPr id="62" name="Straight Connector 61"/>
+            <p:cNvCxnSpPr/>
+            <p:nvPr/>
+          </p:nvCxnSpPr>
+          <p:spPr>
+            <a:xfrm>
+              <a:off x="1839434" y="2667000"/>
+              <a:ext cx="736202" cy="1588"/>
+            </a:xfrm>
+            <a:prstGeom prst="line">
+              <a:avLst/>
+            </a:prstGeom>
+            <a:ln>
+              <a:solidFill>
+                <a:srgbClr val="FFFFFF"/>
+              </a:solidFill>
+            </a:ln>
+          </p:spPr>
+          <p:style>
+            <a:lnRef idx="2">
+              <a:schemeClr val="accent1"/>
+            </a:lnRef>
+            <a:fillRef idx="0">
+              <a:schemeClr val="accent1"/>
+            </a:fillRef>
+            <a:effectRef idx="1">
+              <a:schemeClr val="accent1"/>
+            </a:effectRef>
+            <a:fontRef idx="minor">
+              <a:schemeClr val="tx1"/>
+            </a:fontRef>
+          </p:style>
+        </p:cxnSp>
+        <p:cxnSp>
+          <p:nvCxnSpPr>
+            <p:cNvPr id="63" name="Straight Connector 62"/>
+            <p:cNvCxnSpPr/>
+            <p:nvPr/>
+          </p:nvCxnSpPr>
+          <p:spPr>
+            <a:xfrm>
+              <a:off x="1837270" y="2743200"/>
+              <a:ext cx="736202" cy="1588"/>
+            </a:xfrm>
+            <a:prstGeom prst="line">
+              <a:avLst/>
+            </a:prstGeom>
+            <a:ln>
+              <a:solidFill>
+                <a:srgbClr val="FFFFFF"/>
+              </a:solidFill>
+            </a:ln>
+          </p:spPr>
+          <p:style>
+            <a:lnRef idx="2">
+              <a:schemeClr val="accent1"/>
+            </a:lnRef>
+            <a:fillRef idx="0">
+              <a:schemeClr val="accent1"/>
+            </a:fillRef>
+            <a:effectRef idx="1">
+              <a:schemeClr val="accent1"/>
+            </a:effectRef>
+            <a:fontRef idx="minor">
+              <a:schemeClr val="tx1"/>
+            </a:fontRef>
+          </p:style>
+        </p:cxnSp>
+        <p:sp>
+          <p:nvSpPr>
+            <p:cNvPr id="64" name="Connector 63"/>
+            <p:cNvSpPr/>
+            <p:nvPr/>
+          </p:nvSpPr>
+          <p:spPr>
+            <a:xfrm>
+              <a:off x="2175935" y="3318935"/>
+              <a:ext cx="45719" cy="45719"/>
+            </a:xfrm>
+            <a:prstGeom prst="flowChartConnector">
+              <a:avLst/>
+            </a:prstGeom>
+            <a:ln>
+              <a:solidFill>
+                <a:srgbClr val="FFFFFF"/>
+              </a:solidFill>
+            </a:ln>
+          </p:spPr>
+          <p:style>
+            <a:lnRef idx="1">
+              <a:schemeClr val="accent1"/>
+            </a:lnRef>
+            <a:fillRef idx="3">
+              <a:schemeClr val="accent1"/>
+            </a:fillRef>
+            <a:effectRef idx="2">
+              <a:schemeClr val="accent1"/>
+            </a:effectRef>
+            <a:fontRef idx="minor">
+              <a:schemeClr val="lt1"/>
+            </a:fontRef>
+          </p:style>
+          <p:txBody>
+            <a:bodyPr rtlCol="0" anchor="ctr"/>
+            <a:lstStyle/>
+            <a:p>
+              <a:pPr algn="ctr"/>
+              <a:endParaRPr lang="en-US"/>
+            </a:p>
+          </p:txBody>
+        </p:sp>
+        <p:sp>
+          <p:nvSpPr>
+            <p:cNvPr id="65" name="Connector 64"/>
+            <p:cNvSpPr/>
+            <p:nvPr/>
+          </p:nvSpPr>
+          <p:spPr>
+            <a:xfrm>
+              <a:off x="2175932" y="3200400"/>
+              <a:ext cx="45719" cy="45719"/>
+            </a:xfrm>
+            <a:prstGeom prst="flowChartConnector">
+              <a:avLst/>
+            </a:prstGeom>
+            <a:ln>
+              <a:solidFill>
+                <a:srgbClr val="FFFFFF"/>
+              </a:solidFill>
+            </a:ln>
+          </p:spPr>
+          <p:style>
+            <a:lnRef idx="1">
+              <a:schemeClr val="accent1"/>
+            </a:lnRef>
+            <a:fillRef idx="3">
+              <a:schemeClr val="accent1"/>
+            </a:fillRef>
+            <a:effectRef idx="2">
+              <a:schemeClr val="accent1"/>
+            </a:effectRef>
+            <a:fontRef idx="minor">
+              <a:schemeClr val="lt1"/>
+            </a:fontRef>
+          </p:style>
+          <p:txBody>
+            <a:bodyPr rtlCol="0" anchor="ctr"/>
+            <a:lstStyle/>
+            <a:p>
+              <a:pPr algn="ctr"/>
+              <a:endParaRPr lang="en-US"/>
+            </a:p>
+          </p:txBody>
+        </p:sp>
+        <p:sp>
+          <p:nvSpPr>
+            <p:cNvPr id="66" name="Connector 65"/>
+            <p:cNvSpPr/>
+            <p:nvPr/>
+          </p:nvSpPr>
+          <p:spPr>
+            <a:xfrm>
+              <a:off x="2172548" y="3434080"/>
+              <a:ext cx="45719" cy="45719"/>
+            </a:xfrm>
+            <a:prstGeom prst="flowChartConnector">
+              <a:avLst/>
+            </a:prstGeom>
+            <a:ln>
+              <a:solidFill>
+                <a:srgbClr val="FFFFFF"/>
+              </a:solidFill>
+            </a:ln>
+          </p:spPr>
+          <p:style>
+            <a:lnRef idx="1">
+              <a:schemeClr val="accent1"/>
+            </a:lnRef>
+            <a:fillRef idx="3">
+              <a:schemeClr val="accent1"/>
+            </a:fillRef>
+            <a:effectRef idx="2">
+              <a:schemeClr val="accent1"/>
+            </a:effectRef>
+            <a:fontRef idx="minor">
+              <a:schemeClr val="lt1"/>
+            </a:fontRef>
+          </p:style>
+          <p:txBody>
+            <a:bodyPr rtlCol="0" anchor="ctr"/>
+            <a:lstStyle/>
+            <a:p>
+              <a:pPr algn="ctr"/>
+              <a:endParaRPr lang="en-US"/>
+            </a:p>
+          </p:txBody>
+        </p:sp>
+        <p:cxnSp>
+          <p:nvCxnSpPr>
+            <p:cNvPr id="67" name="Straight Connector 66"/>
+            <p:cNvCxnSpPr/>
+            <p:nvPr/>
+          </p:nvCxnSpPr>
+          <p:spPr>
+            <a:xfrm>
+              <a:off x="1831364" y="2817812"/>
+              <a:ext cx="736202" cy="1588"/>
+            </a:xfrm>
+            <a:prstGeom prst="line">
+              <a:avLst/>
+            </a:prstGeom>
+            <a:ln>
+              <a:solidFill>
+                <a:srgbClr val="FFFFFF"/>
+              </a:solidFill>
+            </a:ln>
+          </p:spPr>
+          <p:style>
+            <a:lnRef idx="2">
+              <a:schemeClr val="accent1"/>
+            </a:lnRef>
+            <a:fillRef idx="0">
+              <a:schemeClr val="accent1"/>
+            </a:fillRef>
+            <a:effectRef idx="1">
+              <a:schemeClr val="accent1"/>
+            </a:effectRef>
+            <a:fontRef idx="minor">
+              <a:schemeClr val="tx1"/>
+            </a:fontRef>
+          </p:style>
+        </p:cxnSp>
+        <p:cxnSp>
+          <p:nvCxnSpPr>
+            <p:cNvPr id="68" name="Straight Connector 67"/>
+            <p:cNvCxnSpPr/>
+            <p:nvPr/>
+          </p:nvCxnSpPr>
+          <p:spPr>
+            <a:xfrm>
+              <a:off x="1829200" y="2894012"/>
+              <a:ext cx="736202" cy="1588"/>
+            </a:xfrm>
+            <a:prstGeom prst="line">
+              <a:avLst/>
+            </a:prstGeom>
+            <a:ln>
+              <a:solidFill>
+                <a:srgbClr val="FFFFFF"/>
+              </a:solidFill>
+            </a:ln>
+          </p:spPr>
+          <p:style>
+            <a:lnRef idx="2">
+              <a:schemeClr val="accent1"/>
+            </a:lnRef>
+            <a:fillRef idx="0">
+              <a:schemeClr val="accent1"/>
+            </a:fillRef>
+            <a:effectRef idx="1">
+              <a:schemeClr val="accent1"/>
+            </a:effectRef>
+            <a:fontRef idx="minor">
+              <a:schemeClr val="tx1"/>
+            </a:fontRef>
+          </p:style>
+        </p:cxnSp>
+        <p:cxnSp>
+          <p:nvCxnSpPr>
+            <p:cNvPr id="69" name="Straight Connector 68"/>
+            <p:cNvCxnSpPr/>
+            <p:nvPr/>
+          </p:nvCxnSpPr>
+          <p:spPr>
+            <a:xfrm>
+              <a:off x="1830964" y="2970212"/>
+              <a:ext cx="736202" cy="1588"/>
+            </a:xfrm>
+            <a:prstGeom prst="line">
+              <a:avLst/>
+            </a:prstGeom>
+            <a:ln>
+              <a:solidFill>
+                <a:srgbClr val="FFFFFF"/>
+              </a:solidFill>
+            </a:ln>
+          </p:spPr>
+          <p:style>
+            <a:lnRef idx="2">
+              <a:schemeClr val="accent1"/>
+            </a:lnRef>
+            <a:fillRef idx="0">
+              <a:schemeClr val="accent1"/>
+            </a:fillRef>
+            <a:effectRef idx="1">
+              <a:schemeClr val="accent1"/>
+            </a:effectRef>
+            <a:fontRef idx="minor">
+              <a:schemeClr val="tx1"/>
+            </a:fontRef>
+          </p:style>
+        </p:cxnSp>
+        <p:cxnSp>
+          <p:nvCxnSpPr>
+            <p:cNvPr id="70" name="Straight Connector 69"/>
+            <p:cNvCxnSpPr/>
+            <p:nvPr/>
+          </p:nvCxnSpPr>
+          <p:spPr>
+            <a:xfrm>
+              <a:off x="1828800" y="3046412"/>
+              <a:ext cx="736202" cy="1588"/>
+            </a:xfrm>
+            <a:prstGeom prst="line">
+              <a:avLst/>
+            </a:prstGeom>
+            <a:ln>
+              <a:solidFill>
+                <a:srgbClr val="FFFFFF"/>
+              </a:solidFill>
+            </a:ln>
+          </p:spPr>
+          <p:style>
+            <a:lnRef idx="2">
+              <a:schemeClr val="accent1"/>
+            </a:lnRef>
+            <a:fillRef idx="0">
+              <a:schemeClr val="accent1"/>
+            </a:fillRef>
+            <a:effectRef idx="1">
+              <a:schemeClr val="accent1"/>
+            </a:effectRef>
+            <a:fontRef idx="minor">
+              <a:schemeClr val="tx1"/>
+            </a:fontRef>
+          </p:style>
+        </p:cxnSp>
+        <p:cxnSp>
+          <p:nvCxnSpPr>
+            <p:cNvPr id="71" name="Straight Connector 70"/>
+            <p:cNvCxnSpPr/>
+            <p:nvPr/>
+          </p:nvCxnSpPr>
+          <p:spPr>
+            <a:xfrm>
+              <a:off x="1831364" y="3656012"/>
+              <a:ext cx="736202" cy="1588"/>
+            </a:xfrm>
+            <a:prstGeom prst="line">
+              <a:avLst/>
+            </a:prstGeom>
+            <a:ln>
+              <a:solidFill>
+                <a:srgbClr val="FFFFFF"/>
+              </a:solidFill>
+            </a:ln>
+          </p:spPr>
+          <p:style>
+            <a:lnRef idx="2">
+              <a:schemeClr val="accent1"/>
+            </a:lnRef>
+            <a:fillRef idx="0">
+              <a:schemeClr val="accent1"/>
+            </a:fillRef>
+            <a:effectRef idx="1">
+              <a:schemeClr val="accent1"/>
+            </a:effectRef>
+            <a:fontRef idx="minor">
+              <a:schemeClr val="tx1"/>
+            </a:fontRef>
+          </p:style>
+        </p:cxnSp>
+        <p:cxnSp>
+          <p:nvCxnSpPr>
+            <p:cNvPr id="72" name="Straight Connector 71"/>
+            <p:cNvCxnSpPr/>
+            <p:nvPr/>
+          </p:nvCxnSpPr>
+          <p:spPr>
+            <a:xfrm>
+              <a:off x="1829200" y="3732212"/>
+              <a:ext cx="736202" cy="1588"/>
+            </a:xfrm>
+            <a:prstGeom prst="line">
+              <a:avLst/>
+            </a:prstGeom>
+            <a:ln>
+              <a:solidFill>
+                <a:srgbClr val="FFFFFF"/>
+              </a:solidFill>
+            </a:ln>
+          </p:spPr>
+          <p:style>
+            <a:lnRef idx="2">
+              <a:schemeClr val="accent1"/>
+            </a:lnRef>
+            <a:fillRef idx="0">
+              <a:schemeClr val="accent1"/>
+            </a:fillRef>
+            <a:effectRef idx="1">
+              <a:schemeClr val="accent1"/>
+            </a:effectRef>
+            <a:fontRef idx="minor">
+              <a:schemeClr val="tx1"/>
+            </a:fontRef>
+          </p:style>
+        </p:cxnSp>
+        <p:cxnSp>
+          <p:nvCxnSpPr>
+            <p:cNvPr id="73" name="Straight Connector 72"/>
+            <p:cNvCxnSpPr/>
+            <p:nvPr/>
+          </p:nvCxnSpPr>
+          <p:spPr>
+            <a:xfrm>
+              <a:off x="1830964" y="3808412"/>
+              <a:ext cx="736202" cy="1588"/>
+            </a:xfrm>
+            <a:prstGeom prst="line">
+              <a:avLst/>
+            </a:prstGeom>
+            <a:ln>
+              <a:solidFill>
+                <a:srgbClr val="FFFFFF"/>
+              </a:solidFill>
+            </a:ln>
+          </p:spPr>
+          <p:style>
+            <a:lnRef idx="2">
+              <a:schemeClr val="accent1"/>
+            </a:lnRef>
+            <a:fillRef idx="0">
+              <a:schemeClr val="accent1"/>
+            </a:fillRef>
+            <a:effectRef idx="1">
+              <a:schemeClr val="accent1"/>
+            </a:effectRef>
+            <a:fontRef idx="minor">
+              <a:schemeClr val="tx1"/>
+            </a:fontRef>
+          </p:style>
+        </p:cxnSp>
+        <p:cxnSp>
+          <p:nvCxnSpPr>
+            <p:cNvPr id="74" name="Straight Connector 73"/>
+            <p:cNvCxnSpPr/>
+            <p:nvPr/>
+          </p:nvCxnSpPr>
+          <p:spPr>
+            <a:xfrm>
+              <a:off x="1828800" y="3884612"/>
+              <a:ext cx="736202" cy="1588"/>
+            </a:xfrm>
+            <a:prstGeom prst="line">
+              <a:avLst/>
+            </a:prstGeom>
+            <a:ln>
+              <a:solidFill>
+                <a:srgbClr val="FFFFFF"/>
+              </a:solidFill>
+            </a:ln>
+          </p:spPr>
+          <p:style>
+            <a:lnRef idx="2">
+              <a:schemeClr val="accent1"/>
+            </a:lnRef>
+            <a:fillRef idx="0">
+              <a:schemeClr val="accent1"/>
+            </a:fillRef>
+            <a:effectRef idx="1">
+              <a:schemeClr val="accent1"/>
+            </a:effectRef>
+            <a:fontRef idx="minor">
+              <a:schemeClr val="tx1"/>
+            </a:fontRef>
+          </p:style>
+        </p:cxnSp>
+      </p:grpSp>
+      <p:sp>
+        <p:nvSpPr>
+          <p:cNvPr id="75" name="Bevel 74"/>
+          <p:cNvSpPr/>
+          <p:nvPr/>
+        </p:nvSpPr>
+        <p:spPr>
+          <a:xfrm>
+            <a:off x="5218111" y="2630269"/>
+            <a:ext cx="2514600" cy="1066800"/>
+          </a:xfrm>
+          <a:prstGeom prst="bevel">
+            <a:avLst/>
+          </a:prstGeom>
+        </p:spPr>
+        <p:style>
+          <a:lnRef idx="1">
+            <a:schemeClr val="accent1"/>
+          </a:lnRef>
+          <a:fillRef idx="3">
+            <a:schemeClr val="accent1"/>
+          </a:fillRef>
+          <a:effectRef idx="2">
+            <a:schemeClr val="accent1"/>
+          </a:effectRef>
+          <a:fontRef idx="minor">
+            <a:schemeClr val="lt1"/>
+          </a:fontRef>
+        </p:style>
+        <p:txBody>
+          <a:bodyPr rtlCol="0" anchor="ctr"/>
+          <a:lstStyle/>
+          <a:p>
+            <a:pPr algn="ctr"/>
+            <a:r>
+              <a:rPr lang="en-US" sz="2000" b="1" dirty="0" err="1" smtClean="0"/>
+              <a:t>EnKF</a:t>
+            </a:r>
+            <a:endParaRPr lang="en-US" sz="2000" b="1" dirty="0" smtClean="0"/>
+          </a:p>
+          <a:p>
+            <a:pPr algn="ctr"/>
+            <a:r>
+              <a:rPr lang="en-US" sz="2000" b="1" dirty="0" smtClean="0"/>
+              <a:t>Simulation</a:t>
+            </a:r>
+            <a:endParaRPr lang="en-US" sz="2000" b="1" dirty="0" smtClean="0"/>
+          </a:p>
+        </p:txBody>
+      </p:sp>
+      <p:cxnSp>
+        <p:nvCxnSpPr>
+          <p:cNvPr id="76" name="Straight Arrow Connector 75"/>
+          <p:cNvCxnSpPr/>
+          <p:nvPr/>
+        </p:nvCxnSpPr>
+        <p:spPr>
+          <a:xfrm rot="5400000" flipH="1">
+            <a:off x="3837384" y="2828576"/>
+            <a:ext cx="457199" cy="4818855"/>
+          </a:xfrm>
+          <a:prstGeom prst="bentConnector3">
+            <a:avLst>
+              <a:gd name="adj1" fmla="val -155556"/>
+            </a:avLst>
+          </a:prstGeom>
+          <a:ln w="76200" cap="flat" cmpd="sng" algn="ctr">
+            <a:solidFill>
+              <a:schemeClr val="accent1"/>
+            </a:solidFill>
+            <a:prstDash val="solid"/>
+            <a:round/>
+            <a:headEnd type="none" w="med" len="med"/>
+            <a:tailEnd type="arrow" w="med" len="med"/>
+          </a:ln>
+        </p:spPr>
+        <p:style>
+          <a:lnRef idx="2">
+            <a:schemeClr val="accent1"/>
+          </a:lnRef>
+          <a:fillRef idx="0">
+            <a:schemeClr val="accent1"/>
+          </a:fillRef>
+          <a:effectRef idx="1">
+            <a:schemeClr val="accent1"/>
+          </a:effectRef>
+          <a:fontRef idx="minor">
+            <a:schemeClr val="tx1"/>
+          </a:fontRef>
+        </p:style>
+      </p:cxnSp>
+      <p:sp>
+        <p:nvSpPr>
+          <p:cNvPr id="81" name="TextBox 80"/>
+          <p:cNvSpPr txBox="1"/>
+          <p:nvPr/>
+        </p:nvSpPr>
+        <p:spPr>
+          <a:xfrm>
+            <a:off x="2541406" y="5720715"/>
+            <a:ext cx="2981505" cy="338554"/>
+          </a:xfrm>
+          <a:prstGeom prst="rect">
+            <a:avLst/>
+          </a:prstGeom>
+          <a:noFill/>
+        </p:spPr>
+        <p:txBody>
+          <a:bodyPr wrap="none" rtlCol="0">
+            <a:spAutoFit/>
+          </a:bodyPr>
+          <a:lstStyle/>
+          <a:p>
+            <a:r>
+              <a:rPr lang="en-US" sz="1600" dirty="0" smtClean="0">
+                <a:solidFill>
+                  <a:schemeClr val="accent1">
+                    <a:lumMod val="75000"/>
+                  </a:schemeClr>
+                </a:solidFill>
+              </a:rPr>
+              <a:t>If new observation data are existed</a:t>
+            </a:r>
+            <a:endParaRPr lang="en-US" sz="1600" dirty="0">
+              <a:solidFill>
+                <a:schemeClr val="accent1">
+                  <a:lumMod val="75000"/>
+                </a:schemeClr>
+              </a:solidFill>
+            </a:endParaRPr>
+          </a:p>
+        </p:txBody>
+      </p:sp>
+      <p:cxnSp>
+        <p:nvCxnSpPr>
+          <p:cNvPr id="97" name="Straight Arrow Connector 96"/>
+          <p:cNvCxnSpPr/>
+          <p:nvPr/>
+        </p:nvCxnSpPr>
+        <p:spPr>
+          <a:xfrm rot="16200000" flipH="1">
+            <a:off x="6587595" y="5451785"/>
+            <a:ext cx="762000" cy="723900"/>
+          </a:xfrm>
+          <a:prstGeom prst="bentConnector2">
+            <a:avLst/>
+          </a:prstGeom>
+          <a:ln w="76200" cap="flat" cmpd="sng" algn="ctr">
+            <a:solidFill>
+              <a:schemeClr val="accent1"/>
+            </a:solidFill>
+            <a:prstDash val="solid"/>
+            <a:round/>
+            <a:headEnd type="none" w="med" len="med"/>
+            <a:tailEnd type="arrow" w="med" len="med"/>
+          </a:ln>
+        </p:spPr>
+        <p:style>
+          <a:lnRef idx="2">
+            <a:schemeClr val="accent1"/>
+          </a:lnRef>
+          <a:fillRef idx="0">
+            <a:schemeClr val="accent1"/>
+          </a:fillRef>
+          <a:effectRef idx="1">
+            <a:schemeClr val="accent1"/>
+          </a:effectRef>
+          <a:fontRef idx="minor">
+            <a:schemeClr val="tx1"/>
+          </a:fontRef>
+        </p:style>
+      </p:cxnSp>
+      <p:sp>
+        <p:nvSpPr>
+          <p:cNvPr id="102" name="Process 101"/>
+          <p:cNvSpPr/>
+          <p:nvPr/>
+        </p:nvSpPr>
+        <p:spPr>
+          <a:xfrm>
+            <a:off x="7497507" y="5983069"/>
+            <a:ext cx="921004" cy="457200"/>
+          </a:xfrm>
+          <a:prstGeom prst="flowChartProcess">
+            <a:avLst/>
+          </a:prstGeom>
+        </p:spPr>
+        <p:style>
+          <a:lnRef idx="1">
+            <a:schemeClr val="accent1"/>
+          </a:lnRef>
+          <a:fillRef idx="3">
+            <a:schemeClr val="accent1"/>
+          </a:fillRef>
+          <a:effectRef idx="2">
+            <a:schemeClr val="accent1"/>
+          </a:effectRef>
+          <a:fontRef idx="minor">
+            <a:schemeClr val="lt1"/>
+          </a:fontRef>
+        </p:style>
+        <p:txBody>
+          <a:bodyPr rtlCol="0" anchor="ctr"/>
+          <a:lstStyle/>
+          <a:p>
+            <a:pPr algn="ctr"/>
+            <a:r>
+              <a:rPr lang="en-US" dirty="0" smtClean="0"/>
+              <a:t>Finish</a:t>
+            </a:r>
+            <a:endParaRPr lang="en-US" dirty="0"/>
+          </a:p>
+        </p:txBody>
+      </p:sp>
+      <p:sp>
+        <p:nvSpPr>
+          <p:cNvPr id="117" name="Diamond 116"/>
+          <p:cNvSpPr/>
+          <p:nvPr/>
+        </p:nvSpPr>
+        <p:spPr>
+          <a:xfrm>
+            <a:off x="5122860" y="4404882"/>
+            <a:ext cx="2705101" cy="892387"/>
+          </a:xfrm>
+          <a:prstGeom prst="diamond">
+            <a:avLst/>
+          </a:prstGeom>
+        </p:spPr>
+        <p:style>
+          <a:lnRef idx="1">
+            <a:schemeClr val="accent1"/>
+          </a:lnRef>
+          <a:fillRef idx="3">
+            <a:schemeClr val="accent1"/>
+          </a:fillRef>
+          <a:effectRef idx="2">
+            <a:schemeClr val="accent1"/>
+          </a:effectRef>
+          <a:fontRef idx="minor">
+            <a:schemeClr val="lt1"/>
+          </a:fontRef>
+        </p:style>
+        <p:txBody>
+          <a:bodyPr rtlCol="0" anchor="ctr"/>
+          <a:lstStyle/>
+          <a:p>
+            <a:pPr algn="ctr"/>
+            <a:r>
+              <a:rPr lang="en-US" smtClean="0"/>
+              <a:t>Monitoring </a:t>
+            </a:r>
+            <a:r>
+              <a:rPr lang="en-US" dirty="0" err="1" smtClean="0"/>
+              <a:t>PetaShare</a:t>
+            </a:r>
+            <a:endParaRPr lang="en-US" dirty="0"/>
+          </a:p>
+        </p:txBody>
+      </p:sp>
+      <p:cxnSp>
+        <p:nvCxnSpPr>
+          <p:cNvPr id="123" name="Straight Arrow Connector 96"/>
+          <p:cNvCxnSpPr/>
+          <p:nvPr/>
+        </p:nvCxnSpPr>
+        <p:spPr>
+          <a:xfrm rot="16200000" flipH="1">
+            <a:off x="6231026" y="4034589"/>
+            <a:ext cx="488771" cy="1"/>
+          </a:xfrm>
+          <a:prstGeom prst="bentConnector3">
+            <a:avLst>
+              <a:gd name="adj1" fmla="val 50000"/>
+            </a:avLst>
+          </a:prstGeom>
+          <a:ln w="76200" cap="flat" cmpd="sng" algn="ctr">
+            <a:solidFill>
+              <a:schemeClr val="accent1"/>
+            </a:solidFill>
+            <a:prstDash val="solid"/>
+            <a:round/>
+            <a:headEnd type="none" w="med" len="med"/>
+            <a:tailEnd type="arrow" w="med" len="med"/>
+          </a:ln>
+        </p:spPr>
+        <p:style>
+          <a:lnRef idx="2">
+            <a:schemeClr val="accent1"/>
+          </a:lnRef>
+          <a:fillRef idx="0">
+            <a:schemeClr val="accent1"/>
+          </a:fillRef>
+          <a:effectRef idx="1">
+            <a:schemeClr val="accent1"/>
+          </a:effectRef>
+          <a:fontRef idx="minor">
+            <a:schemeClr val="tx1"/>
+          </a:fontRef>
+        </p:style>
+      </p:cxnSp>
+      <p:sp>
+        <p:nvSpPr>
+          <p:cNvPr id="133" name="Can 132"/>
+          <p:cNvSpPr/>
+          <p:nvPr/>
+        </p:nvSpPr>
+        <p:spPr>
+          <a:xfrm>
+            <a:off x="685800" y="381000"/>
+            <a:ext cx="1977541" cy="838200"/>
+          </a:xfrm>
+          <a:prstGeom prst="can">
+            <a:avLst/>
+          </a:prstGeom>
+        </p:spPr>
+        <p:style>
+          <a:lnRef idx="1">
+            <a:schemeClr val="accent1"/>
+          </a:lnRef>
+          <a:fillRef idx="3">
+            <a:schemeClr val="accent1"/>
+          </a:fillRef>
+          <a:effectRef idx="2">
+            <a:schemeClr val="accent1"/>
+          </a:effectRef>
+          <a:fontRef idx="minor">
+            <a:schemeClr val="lt1"/>
+          </a:fontRef>
+        </p:style>
+        <p:txBody>
+          <a:bodyPr rtlCol="0" anchor="ctr"/>
+          <a:lstStyle/>
+          <a:p>
+            <a:pPr algn="ctr"/>
+            <a:r>
+              <a:rPr lang="en-US" b="1" dirty="0" err="1" smtClean="0"/>
+              <a:t>PetaShare</a:t>
+            </a:r>
+            <a:endParaRPr lang="en-US" b="1" dirty="0" smtClean="0"/>
+          </a:p>
+          <a:p>
+            <a:pPr algn="ctr"/>
+            <a:r>
+              <a:rPr lang="en-US" b="1" dirty="0" smtClean="0"/>
+              <a:t>(Observation data)</a:t>
+            </a:r>
+            <a:endParaRPr lang="en-US" dirty="0"/>
+          </a:p>
+        </p:txBody>
+      </p:sp>
+      <p:cxnSp>
+        <p:nvCxnSpPr>
+          <p:cNvPr id="134" name="Straight Arrow Connector 96"/>
+          <p:cNvCxnSpPr/>
+          <p:nvPr/>
+        </p:nvCxnSpPr>
+        <p:spPr>
+          <a:xfrm rot="16200000" flipH="1">
+            <a:off x="1421076" y="1508869"/>
+            <a:ext cx="353303" cy="11032"/>
+          </a:xfrm>
+          <a:prstGeom prst="bentConnector3">
+            <a:avLst>
+              <a:gd name="adj1" fmla="val 50000"/>
+            </a:avLst>
+          </a:prstGeom>
+          <a:ln w="76200" cap="flat" cmpd="sng" algn="ctr">
+            <a:solidFill>
+              <a:schemeClr val="accent1"/>
+            </a:solidFill>
+            <a:prstDash val="solid"/>
+            <a:round/>
+            <a:headEnd type="none" w="med" len="med"/>
+            <a:tailEnd type="arrow" w="med" len="med"/>
+          </a:ln>
+        </p:spPr>
+        <p:style>
+          <a:lnRef idx="2">
+            <a:schemeClr val="accent1"/>
+          </a:lnRef>
+          <a:fillRef idx="0">
+            <a:schemeClr val="accent1"/>
+          </a:fillRef>
+          <a:effectRef idx="1">
+            <a:schemeClr val="accent1"/>
+          </a:effectRef>
+          <a:fontRef idx="minor">
+            <a:schemeClr val="tx1"/>
+          </a:fontRef>
+        </p:style>
+      </p:cxnSp>
+    </p:spTree>
+  </p:cSld>
+  <p:clrMapOvr>
+    <a:masterClrMapping/>
+  </p:clrMapOvr>
+</p:sld>
+</file>
+
 <file path=ppt/theme/theme1.xml><?xml version="1.0" encoding="utf-8"?>
 <a:theme xmlns:a="http://schemas.openxmlformats.org/drawingml/2006/main" name="Inkwell">
   <a:themeElements>

--- a/papers/coupled-simulations/eScience11/SAGA_PetaShare_UCoMS.pptx
+++ b/papers/coupled-simulations/eScience11/SAGA_PetaShare_UCoMS.pptx
@@ -1,8 +1,8 @@
 
 <file path=ppt/presentation.xml><?xml version="1.0" encoding="utf-8"?>
-<p:presentation xmlns:a="http://schemas.openxmlformats.org/drawingml/2006/main" xmlns:r="http://schemas.openxmlformats.org/officeDocument/2006/relationships" xmlns:mc="http://schemas.openxmlformats.org/markup-compatibility/2006" xmlns:mv="urn:schemas-microsoft-com:mac:vml" xmlns:p="http://schemas.openxmlformats.org/presentationml/2006/main" mc:Ignorable="mv" mc:PreserveAttributes="mv:*" saveSubsetFonts="1" autoCompressPictures="0">
+<p:presentation xmlns:a="http://schemas.openxmlformats.org/drawingml/2006/main" xmlns:r="http://schemas.openxmlformats.org/officeDocument/2006/relationships" xmlns:p="http://schemas.openxmlformats.org/presentationml/2006/main" saveSubsetFonts="1" autoCompressPictures="0">
   <p:sldMasterIdLst>
-    <p:sldMasterId r:id="rId1"/>
+    <p:sldMasterId id="2147483648" r:id="rId1"/>
   </p:sldMasterIdLst>
   <p:sldIdLst>
     <p:sldId id="259" r:id="rId2"/>
@@ -111,7 +111,7 @@
 </file>
 
 <file path=ppt/slideLayouts/slideLayout1.xml><?xml version="1.0" encoding="utf-8"?>
-<p:sldLayout xmlns:a="http://schemas.openxmlformats.org/drawingml/2006/main" xmlns:r="http://schemas.openxmlformats.org/officeDocument/2006/relationships" xmlns:mc="http://schemas.openxmlformats.org/markup-compatibility/2006" xmlns:mv="urn:schemas-microsoft-com:mac:vml" xmlns:p="http://schemas.openxmlformats.org/presentationml/2006/main" mc:Ignorable="mv" mc:PreserveAttributes="mv:*" type="title" preserve="1">
+<p:sldLayout xmlns:a="http://schemas.openxmlformats.org/drawingml/2006/main" xmlns:r="http://schemas.openxmlformats.org/officeDocument/2006/relationships" xmlns:p="http://schemas.openxmlformats.org/presentationml/2006/main" type="title" preserve="1">
   <p:cSld name="Title Slide">
     <p:bg>
       <p:bgRef idx="1003">
@@ -344,7 +344,7 @@
             <a:fld id="{C49EF217-1A2C-F645-8901-538F19DC3288}" type="datetimeFigureOut">
               <a:rPr lang="en-US" smtClean="0"/>
               <a:pPr/>
-              <a:t>9/28/11</a:t>
+              <a:t>9/28/2011</a:t>
             </a:fld>
             <a:endParaRPr lang="en-US"/>
           </a:p>
@@ -434,7 +434,7 @@
 </file>
 
 <file path=ppt/slideLayouts/slideLayout10.xml><?xml version="1.0" encoding="utf-8"?>
-<p:sldLayout xmlns:a="http://schemas.openxmlformats.org/drawingml/2006/main" xmlns:r="http://schemas.openxmlformats.org/officeDocument/2006/relationships" xmlns:mc="http://schemas.openxmlformats.org/markup-compatibility/2006" xmlns:mv="urn:schemas-microsoft-com:mac:vml" xmlns:p="http://schemas.openxmlformats.org/presentationml/2006/main" mc:Ignorable="mv" mc:PreserveAttributes="mv:*" preserve="1">
+<p:sldLayout xmlns:a="http://schemas.openxmlformats.org/drawingml/2006/main" xmlns:r="http://schemas.openxmlformats.org/officeDocument/2006/relationships" xmlns:p="http://schemas.openxmlformats.org/presentationml/2006/main" preserve="1">
   <p:cSld name="3 Content">
     <p:spTree>
       <p:nvGrpSpPr>
@@ -491,7 +491,7 @@
             <a:fld id="{C49EF217-1A2C-F645-8901-538F19DC3288}" type="datetimeFigureOut">
               <a:rPr lang="en-US" smtClean="0"/>
               <a:pPr/>
-              <a:t>9/28/11</a:t>
+              <a:t>9/28/2011</a:t>
             </a:fld>
             <a:endParaRPr lang="en-US"/>
           </a:p>
@@ -804,7 +804,7 @@
 </file>
 
 <file path=ppt/slideLayouts/slideLayout11.xml><?xml version="1.0" encoding="utf-8"?>
-<p:sldLayout xmlns:a="http://schemas.openxmlformats.org/drawingml/2006/main" xmlns:r="http://schemas.openxmlformats.org/officeDocument/2006/relationships" xmlns:mc="http://schemas.openxmlformats.org/markup-compatibility/2006" xmlns:mv="urn:schemas-microsoft-com:mac:vml" xmlns:p="http://schemas.openxmlformats.org/presentationml/2006/main" mc:Ignorable="mv" mc:PreserveAttributes="mv:*" preserve="1">
+<p:sldLayout xmlns:a="http://schemas.openxmlformats.org/drawingml/2006/main" xmlns:r="http://schemas.openxmlformats.org/officeDocument/2006/relationships" xmlns:p="http://schemas.openxmlformats.org/presentationml/2006/main" preserve="1">
   <p:cSld name="4 Content">
     <p:spTree>
       <p:nvGrpSpPr>
@@ -946,7 +946,7 @@
             <a:fld id="{C49EF217-1A2C-F645-8901-538F19DC3288}" type="datetimeFigureOut">
               <a:rPr lang="en-US" smtClean="0"/>
               <a:pPr/>
-              <a:t>9/28/11</a:t>
+              <a:t>9/28/2011</a:t>
             </a:fld>
             <a:endParaRPr lang="en-US"/>
           </a:p>
@@ -1259,7 +1259,7 @@
 </file>
 
 <file path=ppt/slideLayouts/slideLayout12.xml><?xml version="1.0" encoding="utf-8"?>
-<p:sldLayout xmlns:a="http://schemas.openxmlformats.org/drawingml/2006/main" xmlns:r="http://schemas.openxmlformats.org/officeDocument/2006/relationships" xmlns:mc="http://schemas.openxmlformats.org/markup-compatibility/2006" xmlns:mv="urn:schemas-microsoft-com:mac:vml" xmlns:p="http://schemas.openxmlformats.org/presentationml/2006/main" mc:Ignorable="mv" mc:PreserveAttributes="mv:*" type="titleOnly" preserve="1">
+<p:sldLayout xmlns:a="http://schemas.openxmlformats.org/drawingml/2006/main" xmlns:r="http://schemas.openxmlformats.org/officeDocument/2006/relationships" xmlns:p="http://schemas.openxmlformats.org/presentationml/2006/main" type="titleOnly" preserve="1">
   <p:cSld name="Title Only">
     <p:spTree>
       <p:nvGrpSpPr>
@@ -1316,7 +1316,7 @@
             <a:fld id="{C49EF217-1A2C-F645-8901-538F19DC3288}" type="datetimeFigureOut">
               <a:rPr lang="en-US" smtClean="0"/>
               <a:pPr/>
-              <a:t>9/28/11</a:t>
+              <a:t>9/28/2011</a:t>
             </a:fld>
             <a:endParaRPr lang="en-US"/>
           </a:p>
@@ -1374,7 +1374,7 @@
 </file>
 
 <file path=ppt/slideLayouts/slideLayout13.xml><?xml version="1.0" encoding="utf-8"?>
-<p:sldLayout xmlns:a="http://schemas.openxmlformats.org/drawingml/2006/main" xmlns:r="http://schemas.openxmlformats.org/officeDocument/2006/relationships" xmlns:mc="http://schemas.openxmlformats.org/markup-compatibility/2006" xmlns:mv="urn:schemas-microsoft-com:mac:vml" xmlns:p="http://schemas.openxmlformats.org/presentationml/2006/main" mc:Ignorable="mv" mc:PreserveAttributes="mv:*" type="blank" preserve="1">
+<p:sldLayout xmlns:a="http://schemas.openxmlformats.org/drawingml/2006/main" xmlns:r="http://schemas.openxmlformats.org/officeDocument/2006/relationships" xmlns:p="http://schemas.openxmlformats.org/presentationml/2006/main" type="blank" preserve="1">
   <p:cSld name="Blank">
     <p:spTree>
       <p:nvGrpSpPr>
@@ -1408,7 +1408,7 @@
             <a:fld id="{C49EF217-1A2C-F645-8901-538F19DC3288}" type="datetimeFigureOut">
               <a:rPr lang="en-US" smtClean="0"/>
               <a:pPr/>
-              <a:t>9/28/11</a:t>
+              <a:t>9/28/2011</a:t>
             </a:fld>
             <a:endParaRPr lang="en-US"/>
           </a:p>
@@ -1466,7 +1466,7 @@
 </file>
 
 <file path=ppt/slideLayouts/slideLayout14.xml><?xml version="1.0" encoding="utf-8"?>
-<p:sldLayout xmlns:a="http://schemas.openxmlformats.org/drawingml/2006/main" xmlns:r="http://schemas.openxmlformats.org/officeDocument/2006/relationships" xmlns:mc="http://schemas.openxmlformats.org/markup-compatibility/2006" xmlns:mv="urn:schemas-microsoft-com:mac:vml" xmlns:p="http://schemas.openxmlformats.org/presentationml/2006/main" mc:Ignorable="mv" mc:PreserveAttributes="mv:*" type="objTx" preserve="1">
+<p:sldLayout xmlns:a="http://schemas.openxmlformats.org/drawingml/2006/main" xmlns:r="http://schemas.openxmlformats.org/officeDocument/2006/relationships" xmlns:p="http://schemas.openxmlformats.org/presentationml/2006/main" type="objTx" preserve="1">
   <p:cSld name="Content with Caption">
     <p:spTree>
       <p:nvGrpSpPr>
@@ -1685,7 +1685,7 @@
             <a:fld id="{C49EF217-1A2C-F645-8901-538F19DC3288}" type="datetimeFigureOut">
               <a:rPr lang="en-US" smtClean="0"/>
               <a:pPr/>
-              <a:t>9/28/11</a:t>
+              <a:t>9/28/2011</a:t>
             </a:fld>
             <a:endParaRPr lang="en-US"/>
           </a:p>
@@ -1743,7 +1743,7 @@
 </file>
 
 <file path=ppt/slideLayouts/slideLayout15.xml><?xml version="1.0" encoding="utf-8"?>
-<p:sldLayout xmlns:a="http://schemas.openxmlformats.org/drawingml/2006/main" xmlns:r="http://schemas.openxmlformats.org/officeDocument/2006/relationships" xmlns:mc="http://schemas.openxmlformats.org/markup-compatibility/2006" xmlns:mv="urn:schemas-microsoft-com:mac:vml" xmlns:p="http://schemas.openxmlformats.org/presentationml/2006/main" mc:Ignorable="mv" mc:PreserveAttributes="mv:*" preserve="1">
+<p:sldLayout xmlns:a="http://schemas.openxmlformats.org/drawingml/2006/main" xmlns:r="http://schemas.openxmlformats.org/officeDocument/2006/relationships" xmlns:p="http://schemas.openxmlformats.org/presentationml/2006/main" preserve="1">
   <p:cSld name="Picture with Caption">
     <p:spTree>
       <p:nvGrpSpPr>
@@ -1877,7 +1877,7 @@
             <a:fld id="{C49EF217-1A2C-F645-8901-538F19DC3288}" type="datetimeFigureOut">
               <a:rPr lang="en-US" smtClean="0"/>
               <a:pPr/>
-              <a:t>9/28/11</a:t>
+              <a:t>9/28/2011</a:t>
             </a:fld>
             <a:endParaRPr lang="en-US"/>
           </a:p>
@@ -2118,7 +2118,7 @@
 </file>
 
 <file path=ppt/slideLayouts/slideLayout16.xml><?xml version="1.0" encoding="utf-8"?>
-<p:sldLayout xmlns:a="http://schemas.openxmlformats.org/drawingml/2006/main" xmlns:r="http://schemas.openxmlformats.org/officeDocument/2006/relationships" xmlns:mc="http://schemas.openxmlformats.org/markup-compatibility/2006" xmlns:mv="urn:schemas-microsoft-com:mac:vml" xmlns:p="http://schemas.openxmlformats.org/presentationml/2006/main" mc:Ignorable="mv" mc:PreserveAttributes="mv:*" preserve="1">
+<p:sldLayout xmlns:a="http://schemas.openxmlformats.org/drawingml/2006/main" xmlns:r="http://schemas.openxmlformats.org/officeDocument/2006/relationships" xmlns:p="http://schemas.openxmlformats.org/presentationml/2006/main" preserve="1">
   <p:cSld name="2 Pictures with Caption">
     <p:spTree>
       <p:nvGrpSpPr>
@@ -2618,7 +2618,7 @@
             <a:fld id="{C49EF217-1A2C-F645-8901-538F19DC3288}" type="datetimeFigureOut">
               <a:rPr lang="en-US" smtClean="0"/>
               <a:pPr/>
-              <a:t>9/28/11</a:t>
+              <a:t>9/28/2011</a:t>
             </a:fld>
             <a:endParaRPr lang="en-US"/>
           </a:p>
@@ -2676,7 +2676,7 @@
 </file>
 
 <file path=ppt/slideLayouts/slideLayout17.xml><?xml version="1.0" encoding="utf-8"?>
-<p:sldLayout xmlns:a="http://schemas.openxmlformats.org/drawingml/2006/main" xmlns:r="http://schemas.openxmlformats.org/officeDocument/2006/relationships" xmlns:mc="http://schemas.openxmlformats.org/markup-compatibility/2006" xmlns:mv="urn:schemas-microsoft-com:mac:vml" xmlns:p="http://schemas.openxmlformats.org/presentationml/2006/main" mc:Ignorable="mv" mc:PreserveAttributes="mv:*" preserve="1">
+<p:sldLayout xmlns:a="http://schemas.openxmlformats.org/drawingml/2006/main" xmlns:r="http://schemas.openxmlformats.org/officeDocument/2006/relationships" xmlns:p="http://schemas.openxmlformats.org/presentationml/2006/main" preserve="1">
   <p:cSld name="Picture above Caption">
     <p:spTree>
       <p:nvGrpSpPr>
@@ -2955,7 +2955,7 @@
             <a:fld id="{C49EF217-1A2C-F645-8901-538F19DC3288}" type="datetimeFigureOut">
               <a:rPr lang="en-US" smtClean="0"/>
               <a:pPr/>
-              <a:t>9/28/11</a:t>
+              <a:t>9/28/2011</a:t>
             </a:fld>
             <a:endParaRPr lang="en-US"/>
           </a:p>
@@ -3051,7 +3051,7 @@
 </file>
 
 <file path=ppt/slideLayouts/slideLayout18.xml><?xml version="1.0" encoding="utf-8"?>
-<p:sldLayout xmlns:a="http://schemas.openxmlformats.org/drawingml/2006/main" xmlns:r="http://schemas.openxmlformats.org/officeDocument/2006/relationships" xmlns:mc="http://schemas.openxmlformats.org/markup-compatibility/2006" xmlns:mv="urn:schemas-microsoft-com:mac:vml" xmlns:p="http://schemas.openxmlformats.org/presentationml/2006/main" mc:Ignorable="mv" mc:PreserveAttributes="mv:*" preserve="1">
+<p:sldLayout xmlns:a="http://schemas.openxmlformats.org/drawingml/2006/main" xmlns:r="http://schemas.openxmlformats.org/officeDocument/2006/relationships" xmlns:p="http://schemas.openxmlformats.org/presentationml/2006/main" preserve="1">
   <p:cSld name="2 Pictures above Caption">
     <p:spTree>
       <p:nvGrpSpPr>
@@ -3551,7 +3551,7 @@
             <a:fld id="{C49EF217-1A2C-F645-8901-538F19DC3288}" type="datetimeFigureOut">
               <a:rPr lang="en-US" smtClean="0"/>
               <a:pPr/>
-              <a:t>9/28/11</a:t>
+              <a:t>9/28/2011</a:t>
             </a:fld>
             <a:endParaRPr lang="en-US"/>
           </a:p>
@@ -3609,7 +3609,7 @@
 </file>
 
 <file path=ppt/slideLayouts/slideLayout19.xml><?xml version="1.0" encoding="utf-8"?>
-<p:sldLayout xmlns:a="http://schemas.openxmlformats.org/drawingml/2006/main" xmlns:r="http://schemas.openxmlformats.org/officeDocument/2006/relationships" xmlns:mc="http://schemas.openxmlformats.org/markup-compatibility/2006" xmlns:mv="urn:schemas-microsoft-com:mac:vml" xmlns:p="http://schemas.openxmlformats.org/presentationml/2006/main" mc:Ignorable="mv" mc:PreserveAttributes="mv:*" type="vertTx" preserve="1">
+<p:sldLayout xmlns:a="http://schemas.openxmlformats.org/drawingml/2006/main" xmlns:r="http://schemas.openxmlformats.org/officeDocument/2006/relationships" xmlns:p="http://schemas.openxmlformats.org/presentationml/2006/main" type="vertTx" preserve="1">
   <p:cSld name="Title and Vertical Text">
     <p:bg>
       <p:bgPr>
@@ -3732,7 +3732,7 @@
             <a:fld id="{C49EF217-1A2C-F645-8901-538F19DC3288}" type="datetimeFigureOut">
               <a:rPr lang="en-US" smtClean="0"/>
               <a:pPr/>
-              <a:t>9/28/11</a:t>
+              <a:t>9/28/2011</a:t>
             </a:fld>
             <a:endParaRPr lang="en-US"/>
           </a:p>
@@ -3790,7 +3790,7 @@
 </file>
 
 <file path=ppt/slideLayouts/slideLayout2.xml><?xml version="1.0" encoding="utf-8"?>
-<p:sldLayout xmlns:a="http://schemas.openxmlformats.org/drawingml/2006/main" xmlns:r="http://schemas.openxmlformats.org/officeDocument/2006/relationships" xmlns:mc="http://schemas.openxmlformats.org/markup-compatibility/2006" xmlns:mv="urn:schemas-microsoft-com:mac:vml" xmlns:p="http://schemas.openxmlformats.org/presentationml/2006/main" mc:Ignorable="mv" mc:PreserveAttributes="mv:*" type="obj" preserve="1">
+<p:sldLayout xmlns:a="http://schemas.openxmlformats.org/drawingml/2006/main" xmlns:r="http://schemas.openxmlformats.org/officeDocument/2006/relationships" xmlns:p="http://schemas.openxmlformats.org/presentationml/2006/main" type="obj" preserve="1">
   <p:cSld name="Title and Content">
     <p:spTree>
       <p:nvGrpSpPr>
@@ -3899,7 +3899,7 @@
             <a:fld id="{C49EF217-1A2C-F645-8901-538F19DC3288}" type="datetimeFigureOut">
               <a:rPr lang="en-US" smtClean="0"/>
               <a:pPr/>
-              <a:t>9/28/11</a:t>
+              <a:t>9/28/2011</a:t>
             </a:fld>
             <a:endParaRPr lang="en-US"/>
           </a:p>
@@ -3957,7 +3957,7 @@
 </file>
 
 <file path=ppt/slideLayouts/slideLayout20.xml><?xml version="1.0" encoding="utf-8"?>
-<p:sldLayout xmlns:a="http://schemas.openxmlformats.org/drawingml/2006/main" xmlns:r="http://schemas.openxmlformats.org/officeDocument/2006/relationships" xmlns:mc="http://schemas.openxmlformats.org/markup-compatibility/2006" xmlns:mv="urn:schemas-microsoft-com:mac:vml" xmlns:p="http://schemas.openxmlformats.org/presentationml/2006/main" mc:Ignorable="mv" mc:PreserveAttributes="mv:*" type="vertTitleAndTx" preserve="1">
+<p:sldLayout xmlns:a="http://schemas.openxmlformats.org/drawingml/2006/main" xmlns:r="http://schemas.openxmlformats.org/officeDocument/2006/relationships" xmlns:p="http://schemas.openxmlformats.org/presentationml/2006/main" type="vertTitleAndTx" preserve="1">
   <p:cSld name="Vertical Title and Text">
     <p:bg>
       <p:bgPr>
@@ -4090,7 +4090,7 @@
             <a:fld id="{C49EF217-1A2C-F645-8901-538F19DC3288}" type="datetimeFigureOut">
               <a:rPr lang="en-US" smtClean="0"/>
               <a:pPr/>
-              <a:t>9/28/11</a:t>
+              <a:t>9/28/2011</a:t>
             </a:fld>
             <a:endParaRPr lang="en-US"/>
           </a:p>
@@ -4148,7 +4148,7 @@
 </file>
 
 <file path=ppt/slideLayouts/slideLayout3.xml><?xml version="1.0" encoding="utf-8"?>
-<p:sldLayout xmlns:a="http://schemas.openxmlformats.org/drawingml/2006/main" xmlns:r="http://schemas.openxmlformats.org/officeDocument/2006/relationships" xmlns:mc="http://schemas.openxmlformats.org/markup-compatibility/2006" xmlns:mv="urn:schemas-microsoft-com:mac:vml" xmlns:p="http://schemas.openxmlformats.org/presentationml/2006/main" mc:Ignorable="mv" mc:PreserveAttributes="mv:*" preserve="1">
+<p:sldLayout xmlns:a="http://schemas.openxmlformats.org/drawingml/2006/main" xmlns:r="http://schemas.openxmlformats.org/officeDocument/2006/relationships" xmlns:p="http://schemas.openxmlformats.org/presentationml/2006/main" preserve="1">
   <p:cSld name="Title Slide with Watermark">
     <p:bg>
       <p:bgRef idx="1003">
@@ -4508,7 +4508,7 @@
             <a:fld id="{C49EF217-1A2C-F645-8901-538F19DC3288}" type="datetimeFigureOut">
               <a:rPr lang="en-US" smtClean="0"/>
               <a:pPr/>
-              <a:t>9/28/11</a:t>
+              <a:t>9/28/2011</a:t>
             </a:fld>
             <a:endParaRPr lang="en-US"/>
           </a:p>
@@ -4589,7 +4589,7 @@
 </file>
 
 <file path=ppt/slideLayouts/slideLayout4.xml><?xml version="1.0" encoding="utf-8"?>
-<p:sldLayout xmlns:a="http://schemas.openxmlformats.org/drawingml/2006/main" xmlns:r="http://schemas.openxmlformats.org/officeDocument/2006/relationships" xmlns:mc="http://schemas.openxmlformats.org/markup-compatibility/2006" xmlns:mv="urn:schemas-microsoft-com:mac:vml" xmlns:p="http://schemas.openxmlformats.org/presentationml/2006/main" mc:Ignorable="mv" mc:PreserveAttributes="mv:*" type="secHead" preserve="1">
+<p:sldLayout xmlns:a="http://schemas.openxmlformats.org/drawingml/2006/main" xmlns:r="http://schemas.openxmlformats.org/officeDocument/2006/relationships" xmlns:p="http://schemas.openxmlformats.org/presentationml/2006/main" type="secHead" preserve="1">
   <p:cSld name="Section Header">
     <p:bg>
       <p:bgRef idx="1002">
@@ -4805,7 +4805,7 @@
             <a:fld id="{C49EF217-1A2C-F645-8901-538F19DC3288}" type="datetimeFigureOut">
               <a:rPr lang="en-US" smtClean="0"/>
               <a:pPr/>
-              <a:t>9/28/11</a:t>
+              <a:t>9/28/2011</a:t>
             </a:fld>
             <a:endParaRPr lang="en-US"/>
           </a:p>
@@ -4863,7 +4863,7 @@
 </file>
 
 <file path=ppt/slideLayouts/slideLayout5.xml><?xml version="1.0" encoding="utf-8"?>
-<p:sldLayout xmlns:a="http://schemas.openxmlformats.org/drawingml/2006/main" xmlns:r="http://schemas.openxmlformats.org/officeDocument/2006/relationships" xmlns:mc="http://schemas.openxmlformats.org/markup-compatibility/2006" xmlns:mv="urn:schemas-microsoft-com:mac:vml" xmlns:p="http://schemas.openxmlformats.org/presentationml/2006/main" mc:Ignorable="mv" mc:PreserveAttributes="mv:*" preserve="1">
+<p:sldLayout xmlns:a="http://schemas.openxmlformats.org/drawingml/2006/main" xmlns:r="http://schemas.openxmlformats.org/officeDocument/2006/relationships" xmlns:p="http://schemas.openxmlformats.org/presentationml/2006/main" preserve="1">
   <p:cSld name="Section with Watermark">
     <p:bg>
       <p:bgRef idx="1002">
@@ -5205,7 +5205,7 @@
             <a:fld id="{C49EF217-1A2C-F645-8901-538F19DC3288}" type="datetimeFigureOut">
               <a:rPr lang="en-US" smtClean="0"/>
               <a:pPr/>
-              <a:t>9/28/11</a:t>
+              <a:t>9/28/2011</a:t>
             </a:fld>
             <a:endParaRPr lang="en-US"/>
           </a:p>
@@ -5263,7 +5263,7 @@
 </file>
 
 <file path=ppt/slideLayouts/slideLayout6.xml><?xml version="1.0" encoding="utf-8"?>
-<p:sldLayout xmlns:a="http://schemas.openxmlformats.org/drawingml/2006/main" xmlns:r="http://schemas.openxmlformats.org/officeDocument/2006/relationships" xmlns:mc="http://schemas.openxmlformats.org/markup-compatibility/2006" xmlns:mv="urn:schemas-microsoft-com:mac:vml" xmlns:p="http://schemas.openxmlformats.org/presentationml/2006/main" mc:Ignorable="mv" mc:PreserveAttributes="mv:*" preserve="1">
+<p:sldLayout xmlns:a="http://schemas.openxmlformats.org/drawingml/2006/main" xmlns:r="http://schemas.openxmlformats.org/officeDocument/2006/relationships" xmlns:p="http://schemas.openxmlformats.org/presentationml/2006/main" preserve="1">
   <p:cSld name="Section with Picture">
     <p:bg>
       <p:bgPr>
@@ -5594,7 +5594,7 @@
             <a:fld id="{C49EF217-1A2C-F645-8901-538F19DC3288}" type="datetimeFigureOut">
               <a:rPr lang="en-US" smtClean="0"/>
               <a:pPr/>
-              <a:t>9/28/11</a:t>
+              <a:t>9/28/2011</a:t>
             </a:fld>
             <a:endParaRPr lang="en-US"/>
           </a:p>
@@ -5652,7 +5652,7 @@
 </file>
 
 <file path=ppt/slideLayouts/slideLayout7.xml><?xml version="1.0" encoding="utf-8"?>
-<p:sldLayout xmlns:a="http://schemas.openxmlformats.org/drawingml/2006/main" xmlns:r="http://schemas.openxmlformats.org/officeDocument/2006/relationships" xmlns:mc="http://schemas.openxmlformats.org/markup-compatibility/2006" xmlns:mv="urn:schemas-microsoft-com:mac:vml" xmlns:p="http://schemas.openxmlformats.org/presentationml/2006/main" mc:Ignorable="mv" mc:PreserveAttributes="mv:*" type="twoObj" preserve="1">
+<p:sldLayout xmlns:a="http://schemas.openxmlformats.org/drawingml/2006/main" xmlns:r="http://schemas.openxmlformats.org/officeDocument/2006/relationships" xmlns:p="http://schemas.openxmlformats.org/presentationml/2006/main" type="twoObj" preserve="1">
   <p:cSld name="Two Content">
     <p:spTree>
       <p:nvGrpSpPr>
@@ -5879,7 +5879,7 @@
             <a:fld id="{C49EF217-1A2C-F645-8901-538F19DC3288}" type="datetimeFigureOut">
               <a:rPr lang="en-US" smtClean="0"/>
               <a:pPr/>
-              <a:t>9/28/11</a:t>
+              <a:t>9/28/2011</a:t>
             </a:fld>
             <a:endParaRPr lang="en-US"/>
           </a:p>
@@ -5937,7 +5937,7 @@
 </file>
 
 <file path=ppt/slideLayouts/slideLayout8.xml><?xml version="1.0" encoding="utf-8"?>
-<p:sldLayout xmlns:a="http://schemas.openxmlformats.org/drawingml/2006/main" xmlns:r="http://schemas.openxmlformats.org/officeDocument/2006/relationships" xmlns:mc="http://schemas.openxmlformats.org/markup-compatibility/2006" xmlns:mv="urn:schemas-microsoft-com:mac:vml" xmlns:p="http://schemas.openxmlformats.org/presentationml/2006/main" mc:Ignorable="mv" mc:PreserveAttributes="mv:*" type="twoTxTwoObj" preserve="1">
+<p:sldLayout xmlns:a="http://schemas.openxmlformats.org/drawingml/2006/main" xmlns:r="http://schemas.openxmlformats.org/officeDocument/2006/relationships" xmlns:p="http://schemas.openxmlformats.org/presentationml/2006/main" type="twoTxTwoObj" preserve="1">
   <p:cSld name="Comparison">
     <p:spTree>
       <p:nvGrpSpPr>
@@ -6314,7 +6314,7 @@
             <a:fld id="{C49EF217-1A2C-F645-8901-538F19DC3288}" type="datetimeFigureOut">
               <a:rPr lang="en-US" smtClean="0"/>
               <a:pPr/>
-              <a:t>9/28/11</a:t>
+              <a:t>9/28/2011</a:t>
             </a:fld>
             <a:endParaRPr lang="en-US"/>
           </a:p>
@@ -6468,7 +6468,7 @@
 </file>
 
 <file path=ppt/slideLayouts/slideLayout9.xml><?xml version="1.0" encoding="utf-8"?>
-<p:sldLayout xmlns:a="http://schemas.openxmlformats.org/drawingml/2006/main" xmlns:r="http://schemas.openxmlformats.org/officeDocument/2006/relationships" xmlns:mc="http://schemas.openxmlformats.org/markup-compatibility/2006" xmlns:mv="urn:schemas-microsoft-com:mac:vml" xmlns:p="http://schemas.openxmlformats.org/presentationml/2006/main" mc:Ignorable="mv" mc:PreserveAttributes="mv:*" preserve="1">
+<p:sldLayout xmlns:a="http://schemas.openxmlformats.org/drawingml/2006/main" xmlns:r="http://schemas.openxmlformats.org/officeDocument/2006/relationships" xmlns:p="http://schemas.openxmlformats.org/presentationml/2006/main" preserve="1">
   <p:cSld name="2 Content, Top and Bottom">
     <p:spTree>
       <p:nvGrpSpPr>
@@ -6610,7 +6610,7 @@
             <a:fld id="{C49EF217-1A2C-F645-8901-538F19DC3288}" type="datetimeFigureOut">
               <a:rPr lang="en-US" smtClean="0"/>
               <a:pPr/>
-              <a:t>9/28/11</a:t>
+              <a:t>9/28/2011</a:t>
             </a:fld>
             <a:endParaRPr lang="en-US"/>
           </a:p>
@@ -6753,7 +6753,7 @@
 </file>
 
 <file path=ppt/slideMasters/slideMaster1.xml><?xml version="1.0" encoding="utf-8"?>
-<p:sldMaster xmlns:a="http://schemas.openxmlformats.org/drawingml/2006/main" xmlns:r="http://schemas.openxmlformats.org/officeDocument/2006/relationships" xmlns:mc="http://schemas.openxmlformats.org/markup-compatibility/2006" xmlns:mv="urn:schemas-microsoft-com:mac:vml" xmlns:p="http://schemas.openxmlformats.org/presentationml/2006/main" mc:Ignorable="mv" mc:PreserveAttributes="mv:*">
+<p:sldMaster xmlns:a="http://schemas.openxmlformats.org/drawingml/2006/main" xmlns:r="http://schemas.openxmlformats.org/officeDocument/2006/relationships" xmlns:p="http://schemas.openxmlformats.org/presentationml/2006/main">
   <p:cSld>
     <p:bg>
       <p:bgRef idx="1001">
@@ -6904,7 +6904,7 @@
             <a:fld id="{C49EF217-1A2C-F645-8901-538F19DC3288}" type="datetimeFigureOut">
               <a:rPr lang="en-US" smtClean="0"/>
               <a:pPr/>
-              <a:t>9/28/11</a:t>
+              <a:t>9/28/2011</a:t>
             </a:fld>
             <a:endParaRPr lang="en-US"/>
           </a:p>
@@ -7003,26 +7003,26 @@
   </p:cSld>
   <p:clrMap bg1="lt1" tx1="dk1" bg2="lt2" tx2="dk2" accent1="accent1" accent2="accent2" accent3="accent3" accent4="accent4" accent5="accent5" accent6="accent6" hlink="hlink" folHlink="folHlink"/>
   <p:sldLayoutIdLst>
-    <p:sldLayoutId r:id="rId1"/>
-    <p:sldLayoutId r:id="rId2"/>
-    <p:sldLayoutId r:id="rId3"/>
-    <p:sldLayoutId r:id="rId4"/>
-    <p:sldLayoutId r:id="rId5"/>
-    <p:sldLayoutId r:id="rId6"/>
-    <p:sldLayoutId r:id="rId7"/>
-    <p:sldLayoutId r:id="rId8"/>
-    <p:sldLayoutId r:id="rId9"/>
-    <p:sldLayoutId r:id="rId10"/>
-    <p:sldLayoutId r:id="rId11"/>
-    <p:sldLayoutId r:id="rId12"/>
-    <p:sldLayoutId r:id="rId13"/>
-    <p:sldLayoutId r:id="rId14"/>
-    <p:sldLayoutId r:id="rId15"/>
-    <p:sldLayoutId r:id="rId16"/>
-    <p:sldLayoutId r:id="rId17"/>
-    <p:sldLayoutId r:id="rId18"/>
-    <p:sldLayoutId r:id="rId19"/>
-    <p:sldLayoutId r:id="rId20"/>
+    <p:sldLayoutId id="2147483649" r:id="rId1"/>
+    <p:sldLayoutId id="2147483650" r:id="rId2"/>
+    <p:sldLayoutId id="2147483651" r:id="rId3"/>
+    <p:sldLayoutId id="2147483652" r:id="rId4"/>
+    <p:sldLayoutId id="2147483653" r:id="rId5"/>
+    <p:sldLayoutId id="2147483654" r:id="rId6"/>
+    <p:sldLayoutId id="2147483655" r:id="rId7"/>
+    <p:sldLayoutId id="2147483656" r:id="rId8"/>
+    <p:sldLayoutId id="2147483657" r:id="rId9"/>
+    <p:sldLayoutId id="2147483658" r:id="rId10"/>
+    <p:sldLayoutId id="2147483659" r:id="rId11"/>
+    <p:sldLayoutId id="2147483660" r:id="rId12"/>
+    <p:sldLayoutId id="2147483661" r:id="rId13"/>
+    <p:sldLayoutId id="2147483662" r:id="rId14"/>
+    <p:sldLayoutId id="2147483663" r:id="rId15"/>
+    <p:sldLayoutId id="2147483664" r:id="rId16"/>
+    <p:sldLayoutId id="2147483665" r:id="rId17"/>
+    <p:sldLayoutId id="2147483666" r:id="rId18"/>
+    <p:sldLayoutId id="2147483667" r:id="rId19"/>
+    <p:sldLayoutId id="2147483668" r:id="rId20"/>
   </p:sldLayoutIdLst>
   <p:txStyles>
     <p:titleStyle>
@@ -7293,7 +7293,7 @@
 </file>
 
 <file path=ppt/slides/slide1.xml><?xml version="1.0" encoding="utf-8"?>
-<p:sld xmlns:a="http://schemas.openxmlformats.org/drawingml/2006/main" xmlns:r="http://schemas.openxmlformats.org/officeDocument/2006/relationships" xmlns:mc="http://schemas.openxmlformats.org/markup-compatibility/2006" xmlns:mv="urn:schemas-microsoft-com:mac:vml" xmlns:p="http://schemas.openxmlformats.org/presentationml/2006/main" mc:Ignorable="mv" mc:PreserveAttributes="mv:*">
+<p:sld xmlns:a="http://schemas.openxmlformats.org/drawingml/2006/main" xmlns:r="http://schemas.openxmlformats.org/officeDocument/2006/relationships" xmlns:p="http://schemas.openxmlformats.org/presentationml/2006/main">
   <p:cSld>
     <p:spTree>
       <p:nvGrpSpPr>
@@ -8586,7 +8586,7 @@
 </file>
 
 <file path=ppt/slides/slide2.xml><?xml version="1.0" encoding="utf-8"?>
-<p:sld xmlns:a="http://schemas.openxmlformats.org/drawingml/2006/main" xmlns:r="http://schemas.openxmlformats.org/officeDocument/2006/relationships" xmlns:mc="http://schemas.openxmlformats.org/markup-compatibility/2006" xmlns:mv="urn:schemas-microsoft-com:mac:vml" xmlns:p="http://schemas.openxmlformats.org/presentationml/2006/main" mc:Ignorable="mv" mc:PreserveAttributes="mv:*">
+<p:sld xmlns:a="http://schemas.openxmlformats.org/drawingml/2006/main" xmlns:r="http://schemas.openxmlformats.org/officeDocument/2006/relationships" xmlns:p="http://schemas.openxmlformats.org/presentationml/2006/main">
   <p:cSld>
     <p:spTree>
       <p:nvGrpSpPr>
@@ -8643,7 +8643,7 @@
 </file>
 
 <file path=ppt/slides/slide3.xml><?xml version="1.0" encoding="utf-8"?>
-<p:sld xmlns:a="http://schemas.openxmlformats.org/drawingml/2006/main" xmlns:r="http://schemas.openxmlformats.org/officeDocument/2006/relationships" xmlns:mc="http://schemas.openxmlformats.org/markup-compatibility/2006" xmlns:mv="urn:schemas-microsoft-com:mac:vml" xmlns:p="http://schemas.openxmlformats.org/presentationml/2006/main" mc:Ignorable="mv" mc:PreserveAttributes="mv:*">
+<p:sld xmlns:a="http://schemas.openxmlformats.org/drawingml/2006/main" xmlns:r="http://schemas.openxmlformats.org/officeDocument/2006/relationships" xmlns:p="http://schemas.openxmlformats.org/presentationml/2006/main">
   <p:cSld>
     <p:spTree>
       <p:nvGrpSpPr>
@@ -8719,7 +8719,21 @@
               <a:pPr algn="ctr"/>
               <a:r>
                 <a:rPr lang="sv-SE" dirty="0" smtClean="0"/>
-                <a:t>Ensemble Simulations</a:t>
+                <a:t>Black Oil</a:t>
+              </a:r>
+              <a:br>
+                <a:rPr lang="sv-SE" dirty="0" smtClean="0"/>
+              </a:br>
+              <a:r>
+                <a:rPr lang="sv-SE" dirty="0" smtClean="0"/>
+                <a:t>Reservoir</a:t>
+              </a:r>
+              <a:br>
+                <a:rPr lang="sv-SE" dirty="0" smtClean="0"/>
+              </a:br>
+              <a:r>
+                <a:rPr lang="sv-SE" dirty="0" smtClean="0"/>
+                <a:t>Simulation</a:t>
               </a:r>
               <a:endParaRPr lang="sv-SE" dirty="0"/>
             </a:p>
@@ -8770,10 +8784,17 @@
             <a:p>
               <a:pPr algn="ctr"/>
               <a:r>
-                <a:rPr lang="sv-SE" dirty="0" smtClean="0"/>
-                <a:t>Ray Simulations</a:t>
+                <a:rPr lang="sv-SE" altLang="ko-KR" dirty="0" smtClean="0"/>
+                <a:t>EnKF (Ensemble Karman Filter)</a:t>
               </a:r>
-              <a:endParaRPr lang="sv-SE" dirty="0"/>
+              <a:br>
+                <a:rPr lang="sv-SE" altLang="ko-KR" dirty="0" smtClean="0"/>
+              </a:br>
+              <a:r>
+                <a:rPr lang="sv-SE" altLang="ko-KR" dirty="0" smtClean="0"/>
+                <a:t>Simulations</a:t>
+              </a:r>
+              <a:endParaRPr lang="sv-SE" altLang="ko-KR" dirty="0"/>
             </a:p>
           </p:txBody>
         </p:sp>
@@ -9266,8 +9287,8 @@
           </p:nvSpPr>
           <p:spPr>
             <a:xfrm>
-              <a:off x="-1066800" y="5029200"/>
-              <a:ext cx="1143000" cy="646331"/>
+              <a:off x="-1143000" y="5029200"/>
+              <a:ext cx="1295400" cy="646331"/>
             </a:xfrm>
             <a:prstGeom prst="rect">
               <a:avLst/>
@@ -9328,8 +9349,8 @@
           </p:nvSpPr>
           <p:spPr>
             <a:xfrm>
-              <a:off x="1828800" y="5029200"/>
-              <a:ext cx="914400" cy="369332"/>
+              <a:off x="1752600" y="5029200"/>
+              <a:ext cx="1066800" cy="369332"/>
             </a:xfrm>
             <a:prstGeom prst="rect">
               <a:avLst/>
@@ -9452,8 +9473,8 @@
           </p:nvSpPr>
           <p:spPr>
             <a:xfrm>
-              <a:off x="609600" y="3352800"/>
-              <a:ext cx="1447800" cy="646331"/>
+              <a:off x="533400" y="3352800"/>
+              <a:ext cx="1600200" cy="646331"/>
             </a:xfrm>
             <a:prstGeom prst="rect">
               <a:avLst/>
@@ -9999,6 +10020,75 @@
           </p:txBody>
         </p:sp>
       </p:grpSp>
+      <p:cxnSp>
+        <p:nvCxnSpPr>
+          <p:cNvPr id="51" name="구부러진 연결선 50"/>
+          <p:cNvCxnSpPr>
+            <a:stCxn id="45" idx="3"/>
+            <a:endCxn id="11" idx="4"/>
+          </p:cNvCxnSpPr>
+          <p:nvPr/>
+        </p:nvCxnSpPr>
+        <p:spPr>
+          <a:xfrm flipH="1">
+            <a:off x="4495800" y="3962400"/>
+            <a:ext cx="3505200" cy="1066800"/>
+          </a:xfrm>
+          <a:prstGeom prst="curvedConnector3">
+            <a:avLst>
+              <a:gd name="adj1" fmla="val 9197"/>
+            </a:avLst>
+          </a:prstGeom>
+          <a:ln>
+            <a:tailEnd type="arrow"/>
+          </a:ln>
+        </p:spPr>
+        <p:style>
+          <a:lnRef idx="2">
+            <a:schemeClr val="accent1"/>
+          </a:lnRef>
+          <a:fillRef idx="0">
+            <a:schemeClr val="accent1"/>
+          </a:fillRef>
+          <a:effectRef idx="1">
+            <a:schemeClr val="accent1"/>
+          </a:effectRef>
+          <a:fontRef idx="minor">
+            <a:schemeClr val="tx1"/>
+          </a:fontRef>
+        </p:style>
+      </p:cxnSp>
+      <p:sp>
+        <p:nvSpPr>
+          <p:cNvPr id="55" name="TextBox 54"/>
+          <p:cNvSpPr txBox="1"/>
+          <p:nvPr/>
+        </p:nvSpPr>
+        <p:spPr>
+          <a:xfrm>
+            <a:off x="5029200" y="4572000"/>
+            <a:ext cx="1752600" cy="369332"/>
+          </a:xfrm>
+          <a:prstGeom prst="rect">
+            <a:avLst/>
+          </a:prstGeom>
+          <a:noFill/>
+        </p:spPr>
+        <p:txBody>
+          <a:bodyPr wrap="square" rtlCol="0">
+            <a:spAutoFit/>
+          </a:bodyPr>
+          <a:lstStyle/>
+          <a:p>
+            <a:pPr algn="ctr"/>
+            <a:r>
+              <a:rPr lang="sv-SE" dirty="0" smtClean="0"/>
+              <a:t>Monitoring</a:t>
+            </a:r>
+            <a:endParaRPr lang="sv-SE" dirty="0"/>
+          </a:p>
+        </p:txBody>
+      </p:sp>
     </p:spTree>
   </p:cSld>
   <p:clrMapOvr>
@@ -10008,7 +10098,7 @@
 </file>
 
 <file path=ppt/slides/slide4.xml><?xml version="1.0" encoding="utf-8"?>
-<p:sld xmlns:a="http://schemas.openxmlformats.org/drawingml/2006/main" xmlns:r="http://schemas.openxmlformats.org/officeDocument/2006/relationships" xmlns:mc="http://schemas.openxmlformats.org/markup-compatibility/2006" xmlns:mv="urn:schemas-microsoft-com:mac:vml" xmlns:p="http://schemas.openxmlformats.org/presentationml/2006/main" mc:Ignorable="mv" mc:PreserveAttributes="mv:*">
+<p:sld xmlns:a="http://schemas.openxmlformats.org/drawingml/2006/main" xmlns:r="http://schemas.openxmlformats.org/officeDocument/2006/relationships" xmlns:p="http://schemas.openxmlformats.org/presentationml/2006/main">
   <p:cSld>
     <p:spTree>
       <p:nvGrpSpPr>
@@ -10940,7 +11030,6 @@
               <a:rPr lang="en-US" sz="2000" b="1" dirty="0" smtClean="0"/>
               <a:t>Simulation</a:t>
             </a:r>
-            <a:endParaRPr lang="en-US" sz="2000" b="1" dirty="0" smtClean="0"/>
           </a:p>
         </p:txBody>
       </p:sp>
